--- a/Phase 3/Step 13 - Using Mongoose with Express JS Connection Mongo DB Database.pptx
+++ b/Phase 3/Step 13 - Using Mongoose with Express JS Connection Mongo DB Database.pptx
@@ -6,30 +6,25 @@
   </p:sldMasterIdLst>
   <p:sldIdLst>
     <p:sldId id="256" r:id="rId2"/>
-    <p:sldId id="278" r:id="rId3"/>
-    <p:sldId id="279" r:id="rId4"/>
-    <p:sldId id="280" r:id="rId5"/>
-    <p:sldId id="281" r:id="rId6"/>
-    <p:sldId id="282" r:id="rId7"/>
-    <p:sldId id="283" r:id="rId8"/>
-    <p:sldId id="284" r:id="rId9"/>
-    <p:sldId id="285" r:id="rId10"/>
-    <p:sldId id="286" r:id="rId11"/>
-    <p:sldId id="287" r:id="rId12"/>
-    <p:sldId id="288" r:id="rId13"/>
-    <p:sldId id="289" r:id="rId14"/>
-    <p:sldId id="290" r:id="rId15"/>
-    <p:sldId id="291" r:id="rId16"/>
-    <p:sldId id="292" r:id="rId17"/>
-    <p:sldId id="293" r:id="rId18"/>
-    <p:sldId id="294" r:id="rId19"/>
-    <p:sldId id="295" r:id="rId20"/>
-    <p:sldId id="296" r:id="rId21"/>
-    <p:sldId id="297" r:id="rId22"/>
-    <p:sldId id="298" r:id="rId23"/>
-    <p:sldId id="299" r:id="rId24"/>
-    <p:sldId id="300" r:id="rId25"/>
-    <p:sldId id="301" r:id="rId26"/>
+    <p:sldId id="302" r:id="rId3"/>
+    <p:sldId id="303" r:id="rId4"/>
+    <p:sldId id="304" r:id="rId5"/>
+    <p:sldId id="305" r:id="rId6"/>
+    <p:sldId id="306" r:id="rId7"/>
+    <p:sldId id="307" r:id="rId8"/>
+    <p:sldId id="308" r:id="rId9"/>
+    <p:sldId id="309" r:id="rId10"/>
+    <p:sldId id="310" r:id="rId11"/>
+    <p:sldId id="311" r:id="rId12"/>
+    <p:sldId id="312" r:id="rId13"/>
+    <p:sldId id="313" r:id="rId14"/>
+    <p:sldId id="315" r:id="rId15"/>
+    <p:sldId id="316" r:id="rId16"/>
+    <p:sldId id="318" r:id="rId17"/>
+    <p:sldId id="319" r:id="rId18"/>
+    <p:sldId id="320" r:id="rId19"/>
+    <p:sldId id="321" r:id="rId20"/>
+    <p:sldId id="322" r:id="rId21"/>
   </p:sldIdLst>
   <p:sldSz cx="12192000" cy="6858000"/>
   <p:notesSz cx="6858000" cy="9144000"/>
@@ -267,7 +262,7 @@
           <a:p>
             <a:fld id="{42386099-759E-47AF-B5BA-C91AC6CEC5A3}" type="datetimeFigureOut">
               <a:rPr lang="en-US" smtClean="0"/>
-              <a:t>1/6/2023</a:t>
+              <a:t>3/16/2023</a:t>
             </a:fld>
             <a:endParaRPr lang="en-US"/>
           </a:p>
@@ -437,7 +432,7 @@
           <a:p>
             <a:fld id="{42386099-759E-47AF-B5BA-C91AC6CEC5A3}" type="datetimeFigureOut">
               <a:rPr lang="en-US" smtClean="0"/>
-              <a:t>1/6/2023</a:t>
+              <a:t>3/16/2023</a:t>
             </a:fld>
             <a:endParaRPr lang="en-US"/>
           </a:p>
@@ -617,7 +612,7 @@
           <a:p>
             <a:fld id="{42386099-759E-47AF-B5BA-C91AC6CEC5A3}" type="datetimeFigureOut">
               <a:rPr lang="en-US" smtClean="0"/>
-              <a:t>1/6/2023</a:t>
+              <a:t>3/16/2023</a:t>
             </a:fld>
             <a:endParaRPr lang="en-US"/>
           </a:p>
@@ -787,7 +782,7 @@
           <a:p>
             <a:fld id="{42386099-759E-47AF-B5BA-C91AC6CEC5A3}" type="datetimeFigureOut">
               <a:rPr lang="en-US" smtClean="0"/>
-              <a:t>1/6/2023</a:t>
+              <a:t>3/16/2023</a:t>
             </a:fld>
             <a:endParaRPr lang="en-US"/>
           </a:p>
@@ -1033,7 +1028,7 @@
           <a:p>
             <a:fld id="{42386099-759E-47AF-B5BA-C91AC6CEC5A3}" type="datetimeFigureOut">
               <a:rPr lang="en-US" smtClean="0"/>
-              <a:t>1/6/2023</a:t>
+              <a:t>3/16/2023</a:t>
             </a:fld>
             <a:endParaRPr lang="en-US"/>
           </a:p>
@@ -1265,7 +1260,7 @@
           <a:p>
             <a:fld id="{42386099-759E-47AF-B5BA-C91AC6CEC5A3}" type="datetimeFigureOut">
               <a:rPr lang="en-US" smtClean="0"/>
-              <a:t>1/6/2023</a:t>
+              <a:t>3/16/2023</a:t>
             </a:fld>
             <a:endParaRPr lang="en-US"/>
           </a:p>
@@ -1632,7 +1627,7 @@
           <a:p>
             <a:fld id="{42386099-759E-47AF-B5BA-C91AC6CEC5A3}" type="datetimeFigureOut">
               <a:rPr lang="en-US" smtClean="0"/>
-              <a:t>1/6/2023</a:t>
+              <a:t>3/16/2023</a:t>
             </a:fld>
             <a:endParaRPr lang="en-US"/>
           </a:p>
@@ -1750,7 +1745,7 @@
           <a:p>
             <a:fld id="{42386099-759E-47AF-B5BA-C91AC6CEC5A3}" type="datetimeFigureOut">
               <a:rPr lang="en-US" smtClean="0"/>
-              <a:t>1/6/2023</a:t>
+              <a:t>3/16/2023</a:t>
             </a:fld>
             <a:endParaRPr lang="en-US"/>
           </a:p>
@@ -1845,7 +1840,7 @@
           <a:p>
             <a:fld id="{42386099-759E-47AF-B5BA-C91AC6CEC5A3}" type="datetimeFigureOut">
               <a:rPr lang="en-US" smtClean="0"/>
-              <a:t>1/6/2023</a:t>
+              <a:t>3/16/2023</a:t>
             </a:fld>
             <a:endParaRPr lang="en-US"/>
           </a:p>
@@ -2122,7 +2117,7 @@
           <a:p>
             <a:fld id="{42386099-759E-47AF-B5BA-C91AC6CEC5A3}" type="datetimeFigureOut">
               <a:rPr lang="en-US" smtClean="0"/>
-              <a:t>1/6/2023</a:t>
+              <a:t>3/16/2023</a:t>
             </a:fld>
             <a:endParaRPr lang="en-US"/>
           </a:p>
@@ -2375,7 +2370,7 @@
           <a:p>
             <a:fld id="{42386099-759E-47AF-B5BA-C91AC6CEC5A3}" type="datetimeFigureOut">
               <a:rPr lang="en-US" smtClean="0"/>
-              <a:t>1/6/2023</a:t>
+              <a:t>3/16/2023</a:t>
             </a:fld>
             <a:endParaRPr lang="en-US"/>
           </a:p>
@@ -2588,7 +2583,7 @@
           <a:p>
             <a:fld id="{42386099-759E-47AF-B5BA-C91AC6CEC5A3}" type="datetimeFigureOut">
               <a:rPr lang="en-US" smtClean="0"/>
-              <a:t>1/6/2023</a:t>
+              <a:t>3/16/2023</a:t>
             </a:fld>
             <a:endParaRPr lang="en-US"/>
           </a:p>
@@ -3005,12 +3000,30 @@
         </p:nvSpPr>
         <p:spPr/>
         <p:txBody>
-          <a:bodyPr/>
-          <a:lstStyle/>
-          <a:p>
-            <a:r>
-              <a:rPr lang="en-US" dirty="0" smtClean="0"/>
-              <a:t>Testing using Jasmine and Karma – Step 10</a:t>
+          <a:bodyPr>
+            <a:normAutofit fontScale="90000"/>
+          </a:bodyPr>
+          <a:lstStyle/>
+          <a:p>
+            <a:r>
+              <a:rPr lang="en-US" dirty="0" smtClean="0"/>
+              <a:t>Connecting Mongo DB Database using Express </a:t>
+            </a:r>
+            <a:r>
+              <a:rPr lang="en-US" dirty="0" err="1" smtClean="0"/>
+              <a:t>js</a:t>
+            </a:r>
+            <a:r>
+              <a:rPr lang="en-US" dirty="0" smtClean="0"/>
+              <a:t> with mongoose </a:t>
+            </a:r>
+            <a:r>
+              <a:rPr lang="en-US" dirty="0" smtClean="0"/>
+              <a:t>– </a:t>
+            </a:r>
+            <a:r>
+              <a:rPr lang="en-US" dirty="0" smtClean="0"/>
+              <a:t>Step 10</a:t>
             </a:r>
             <a:endParaRPr lang="en-US" dirty="0"/>
           </a:p>
@@ -3082,42 +3095,51 @@
           <a:p>
             <a:r>
               <a:rPr lang="en-US" dirty="0" smtClean="0"/>
-              <a:t>Now include both pages in SpecRunner.html page </a:t>
+              <a:t>Now we need to create router file </a:t>
             </a:r>
             <a:endParaRPr lang="en-US" dirty="0"/>
           </a:p>
         </p:txBody>
       </p:sp>
-      <p:pic>
-        <p:nvPicPr>
-          <p:cNvPr id="4" name="Content Placeholder 3"/>
-          <p:cNvPicPr>
-            <a:picLocks noGrp="1" noChangeAspect="1"/>
-          </p:cNvPicPr>
+      <p:sp>
+        <p:nvSpPr>
+          <p:cNvPr id="3" name="Content Placeholder 2"/>
+          <p:cNvSpPr>
+            <a:spLocks noGrp="1"/>
+          </p:cNvSpPr>
           <p:nvPr>
             <p:ph idx="1"/>
           </p:nvPr>
-        </p:nvPicPr>
-        <p:blipFill>
-          <a:blip r:embed="rId2"/>
-          <a:stretch>
-            <a:fillRect/>
-          </a:stretch>
-        </p:blipFill>
-        <p:spPr>
-          <a:xfrm>
-            <a:off x="2219836" y="1825625"/>
-            <a:ext cx="7752327" cy="4351338"/>
-          </a:xfrm>
-          <a:prstGeom prst="rect">
-            <a:avLst/>
-          </a:prstGeom>
-        </p:spPr>
-      </p:pic>
+        </p:nvSpPr>
+        <p:spPr/>
+        <p:txBody>
+          <a:bodyPr/>
+          <a:lstStyle/>
+          <a:p>
+            <a:r>
+              <a:rPr lang="en-US" dirty="0" smtClean="0"/>
+              <a:t>This file is use to route the request. </a:t>
+            </a:r>
+          </a:p>
+          <a:p>
+            <a:r>
+              <a:rPr lang="en-US" dirty="0" smtClean="0"/>
+              <a:t>It will check sub path of the request and http method and base upon client request it will re direct to specific controller methods. </a:t>
+            </a:r>
+          </a:p>
+          <a:p>
+            <a:r>
+              <a:rPr lang="en-US" dirty="0" smtClean="0"/>
+              <a:t>This is centralize file which help to keep the track about the all operation doing on product entity. </a:t>
+            </a:r>
+            <a:endParaRPr lang="en-US" dirty="0"/>
+          </a:p>
+        </p:txBody>
+      </p:sp>
     </p:spTree>
     <p:extLst>
       <p:ext uri="{BB962C8B-B14F-4D97-AF65-F5344CB8AC3E}">
-        <p14:creationId xmlns:p14="http://schemas.microsoft.com/office/powerpoint/2010/main" val="3945910932"/>
+        <p14:creationId xmlns:p14="http://schemas.microsoft.com/office/powerpoint/2010/main" val="1821386853"/>
       </p:ext>
     </p:extLst>
   </p:cSld>
@@ -3128,364 +3150,6 @@
 </file>
 
 <file path=ppt/slides/slide11.xml><?xml version="1.0" encoding="utf-8"?>
-<p:sld xmlns:a="http://schemas.openxmlformats.org/drawingml/2006/main" xmlns:r="http://schemas.openxmlformats.org/officeDocument/2006/relationships" xmlns:p="http://schemas.openxmlformats.org/presentationml/2006/main">
-  <p:cSld>
-    <p:spTree>
-      <p:nvGrpSpPr>
-        <p:cNvPr id="1" name=""/>
-        <p:cNvGrpSpPr/>
-        <p:nvPr/>
-      </p:nvGrpSpPr>
-      <p:grpSpPr>
-        <a:xfrm>
-          <a:off x="0" y="0"/>
-          <a:ext cx="0" cy="0"/>
-          <a:chOff x="0" y="0"/>
-          <a:chExt cx="0" cy="0"/>
-        </a:xfrm>
-      </p:grpSpPr>
-      <p:sp>
-        <p:nvSpPr>
-          <p:cNvPr id="2" name="Title 1"/>
-          <p:cNvSpPr>
-            <a:spLocks noGrp="1"/>
-          </p:cNvSpPr>
-          <p:nvPr>
-            <p:ph type="title"/>
-          </p:nvPr>
-        </p:nvSpPr>
-        <p:spPr/>
-        <p:txBody>
-          <a:bodyPr/>
-          <a:lstStyle/>
-          <a:p>
-            <a:r>
-              <a:rPr lang="en-US" dirty="0" smtClean="0"/>
-              <a:t>Running SpecRunner.html page </a:t>
-            </a:r>
-            <a:endParaRPr lang="en-US" dirty="0"/>
-          </a:p>
-        </p:txBody>
-      </p:sp>
-      <p:pic>
-        <p:nvPicPr>
-          <p:cNvPr id="4" name="Content Placeholder 3"/>
-          <p:cNvPicPr>
-            <a:picLocks noGrp="1" noChangeAspect="1"/>
-          </p:cNvPicPr>
-          <p:nvPr>
-            <p:ph idx="1"/>
-          </p:nvPr>
-        </p:nvPicPr>
-        <p:blipFill>
-          <a:blip r:embed="rId2"/>
-          <a:stretch>
-            <a:fillRect/>
-          </a:stretch>
-        </p:blipFill>
-        <p:spPr>
-          <a:xfrm>
-            <a:off x="1283553" y="2050405"/>
-            <a:ext cx="9624894" cy="3901778"/>
-          </a:xfrm>
-          <a:prstGeom prst="rect">
-            <a:avLst/>
-          </a:prstGeom>
-        </p:spPr>
-      </p:pic>
-    </p:spTree>
-    <p:extLst>
-      <p:ext uri="{BB962C8B-B14F-4D97-AF65-F5344CB8AC3E}">
-        <p14:creationId xmlns:p14="http://schemas.microsoft.com/office/powerpoint/2010/main" val="2065898554"/>
-      </p:ext>
-    </p:extLst>
-  </p:cSld>
-  <p:clrMapOvr>
-    <a:masterClrMapping/>
-  </p:clrMapOvr>
-</p:sld>
-</file>
-
-<file path=ppt/slides/slide12.xml><?xml version="1.0" encoding="utf-8"?>
-<p:sld xmlns:a="http://schemas.openxmlformats.org/drawingml/2006/main" xmlns:r="http://schemas.openxmlformats.org/officeDocument/2006/relationships" xmlns:p="http://schemas.openxmlformats.org/presentationml/2006/main">
-  <p:cSld>
-    <p:spTree>
-      <p:nvGrpSpPr>
-        <p:cNvPr id="1" name=""/>
-        <p:cNvGrpSpPr/>
-        <p:nvPr/>
-      </p:nvGrpSpPr>
-      <p:grpSpPr>
-        <a:xfrm>
-          <a:off x="0" y="0"/>
-          <a:ext cx="0" cy="0"/>
-          <a:chOff x="0" y="0"/>
-          <a:chExt cx="0" cy="0"/>
-        </a:xfrm>
-      </p:grpSpPr>
-      <p:sp>
-        <p:nvSpPr>
-          <p:cNvPr id="2" name="Title 1"/>
-          <p:cNvSpPr>
-            <a:spLocks noGrp="1"/>
-          </p:cNvSpPr>
-          <p:nvPr>
-            <p:ph type="title"/>
-          </p:nvPr>
-        </p:nvSpPr>
-        <p:spPr/>
-        <p:txBody>
-          <a:bodyPr/>
-          <a:lstStyle/>
-          <a:p>
-            <a:r>
-              <a:rPr lang="en-US" dirty="0" smtClean="0"/>
-              <a:t>Testing with angular framework </a:t>
-            </a:r>
-            <a:endParaRPr lang="en-US" dirty="0"/>
-          </a:p>
-        </p:txBody>
-      </p:sp>
-      <p:sp>
-        <p:nvSpPr>
-          <p:cNvPr id="3" name="Content Placeholder 2"/>
-          <p:cNvSpPr>
-            <a:spLocks noGrp="1"/>
-          </p:cNvSpPr>
-          <p:nvPr>
-            <p:ph idx="1"/>
-          </p:nvPr>
-        </p:nvSpPr>
-        <p:spPr/>
-        <p:txBody>
-          <a:bodyPr/>
-          <a:lstStyle/>
-          <a:p>
-            <a:r>
-              <a:rPr lang="en-US" dirty="0" smtClean="0"/>
-              <a:t>Angular internally use jasmine testing framework to test angular component, service, model classes. </a:t>
-            </a:r>
-          </a:p>
-          <a:p>
-            <a:r>
-              <a:rPr lang="en-US" dirty="0" smtClean="0"/>
-              <a:t>Angular provided all configuration details when we download all dependencies. </a:t>
-            </a:r>
-          </a:p>
-          <a:p>
-            <a:r>
-              <a:rPr lang="en-US" dirty="0" smtClean="0"/>
-              <a:t>Angular use karma test runner tool to check result. </a:t>
-            </a:r>
-          </a:p>
-          <a:p>
-            <a:r>
-              <a:rPr lang="en-US" dirty="0" smtClean="0"/>
-              <a:t>Angular provided testing utilities classes to check angular component, service and model etc. </a:t>
-            </a:r>
-            <a:endParaRPr lang="en-US" dirty="0"/>
-          </a:p>
-        </p:txBody>
-      </p:sp>
-    </p:spTree>
-    <p:extLst>
-      <p:ext uri="{BB962C8B-B14F-4D97-AF65-F5344CB8AC3E}">
-        <p14:creationId xmlns:p14="http://schemas.microsoft.com/office/powerpoint/2010/main" val="4242687449"/>
-      </p:ext>
-    </p:extLst>
-  </p:cSld>
-  <p:clrMapOvr>
-    <a:masterClrMapping/>
-  </p:clrMapOvr>
-</p:sld>
-</file>
-
-<file path=ppt/slides/slide13.xml><?xml version="1.0" encoding="utf-8"?>
-<p:sld xmlns:a="http://schemas.openxmlformats.org/drawingml/2006/main" xmlns:r="http://schemas.openxmlformats.org/officeDocument/2006/relationships" xmlns:p="http://schemas.openxmlformats.org/presentationml/2006/main">
-  <p:cSld>
-    <p:spTree>
-      <p:nvGrpSpPr>
-        <p:cNvPr id="1" name=""/>
-        <p:cNvGrpSpPr/>
-        <p:nvPr/>
-      </p:nvGrpSpPr>
-      <p:grpSpPr>
-        <a:xfrm>
-          <a:off x="0" y="0"/>
-          <a:ext cx="0" cy="0"/>
-          <a:chOff x="0" y="0"/>
-          <a:chExt cx="0" cy="0"/>
-        </a:xfrm>
-      </p:grpSpPr>
-      <p:sp>
-        <p:nvSpPr>
-          <p:cNvPr id="2" name="Title 1"/>
-          <p:cNvSpPr>
-            <a:spLocks noGrp="1"/>
-          </p:cNvSpPr>
-          <p:nvPr>
-            <p:ph type="title"/>
-          </p:nvPr>
-        </p:nvSpPr>
-        <p:spPr/>
-        <p:txBody>
-          <a:bodyPr/>
-          <a:lstStyle/>
-          <a:p>
-            <a:r>
-              <a:rPr lang="en-US" dirty="0" smtClean="0"/>
-              <a:t>Create the project as normal angular project</a:t>
-            </a:r>
-            <a:endParaRPr lang="en-US" dirty="0"/>
-          </a:p>
-        </p:txBody>
-      </p:sp>
-      <p:pic>
-        <p:nvPicPr>
-          <p:cNvPr id="4" name="Content Placeholder 3"/>
-          <p:cNvPicPr>
-            <a:picLocks noGrp="1" noChangeAspect="1"/>
-          </p:cNvPicPr>
-          <p:nvPr>
-            <p:ph idx="1"/>
-          </p:nvPr>
-        </p:nvPicPr>
-        <p:blipFill>
-          <a:blip r:embed="rId2"/>
-          <a:stretch>
-            <a:fillRect/>
-          </a:stretch>
-        </p:blipFill>
-        <p:spPr>
-          <a:xfrm>
-            <a:off x="1763418" y="1825625"/>
-            <a:ext cx="8665164" cy="4351338"/>
-          </a:xfrm>
-          <a:prstGeom prst="rect">
-            <a:avLst/>
-          </a:prstGeom>
-        </p:spPr>
-      </p:pic>
-    </p:spTree>
-    <p:extLst>
-      <p:ext uri="{BB962C8B-B14F-4D97-AF65-F5344CB8AC3E}">
-        <p14:creationId xmlns:p14="http://schemas.microsoft.com/office/powerpoint/2010/main" val="47660141"/>
-      </p:ext>
-    </p:extLst>
-  </p:cSld>
-  <p:clrMapOvr>
-    <a:masterClrMapping/>
-  </p:clrMapOvr>
-</p:sld>
-</file>
-
-<file path=ppt/slides/slide14.xml><?xml version="1.0" encoding="utf-8"?>
-<p:sld xmlns:a="http://schemas.openxmlformats.org/drawingml/2006/main" xmlns:r="http://schemas.openxmlformats.org/officeDocument/2006/relationships" xmlns:p="http://schemas.openxmlformats.org/presentationml/2006/main">
-  <p:cSld>
-    <p:spTree>
-      <p:nvGrpSpPr>
-        <p:cNvPr id="1" name=""/>
-        <p:cNvGrpSpPr/>
-        <p:nvPr/>
-      </p:nvGrpSpPr>
-      <p:grpSpPr>
-        <a:xfrm>
-          <a:off x="0" y="0"/>
-          <a:ext cx="0" cy="0"/>
-          <a:chOff x="0" y="0"/>
-          <a:chExt cx="0" cy="0"/>
-        </a:xfrm>
-      </p:grpSpPr>
-      <p:sp>
-        <p:nvSpPr>
-          <p:cNvPr id="2" name="Title 1"/>
-          <p:cNvSpPr>
-            <a:spLocks noGrp="1"/>
-          </p:cNvSpPr>
-          <p:nvPr>
-            <p:ph type="title"/>
-          </p:nvPr>
-        </p:nvSpPr>
-        <p:spPr/>
-        <p:txBody>
-          <a:bodyPr/>
-          <a:lstStyle/>
-          <a:p>
-            <a:r>
-              <a:rPr lang="en-US" dirty="0" smtClean="0"/>
-              <a:t>Sample testing file present in angular project </a:t>
-            </a:r>
-            <a:endParaRPr lang="en-US" dirty="0"/>
-          </a:p>
-        </p:txBody>
-      </p:sp>
-      <p:sp>
-        <p:nvSpPr>
-          <p:cNvPr id="3" name="Content Placeholder 2"/>
-          <p:cNvSpPr>
-            <a:spLocks noGrp="1"/>
-          </p:cNvSpPr>
-          <p:nvPr>
-            <p:ph idx="1"/>
-          </p:nvPr>
-        </p:nvSpPr>
-        <p:spPr/>
-        <p:txBody>
-          <a:bodyPr/>
-          <a:lstStyle/>
-          <a:p>
-            <a:r>
-              <a:rPr lang="en-US" dirty="0" err="1" smtClean="0"/>
-              <a:t>src</a:t>
-            </a:r>
-            <a:r>
-              <a:rPr lang="en-US" dirty="0" err="1" smtClean="0">
-                <a:sym typeface="Wingdings" panose="05000000000000000000" pitchFamily="2" charset="2"/>
-              </a:rPr>
-              <a:t>appapp.component.spec.ts</a:t>
-            </a:r>
-            <a:endParaRPr lang="en-US" dirty="0" smtClean="0">
-              <a:sym typeface="Wingdings" panose="05000000000000000000" pitchFamily="2" charset="2"/>
-            </a:endParaRPr>
-          </a:p>
-          <a:p>
-            <a:pPr marL="0" indent="0">
-              <a:buNone/>
-            </a:pPr>
-            <a:endParaRPr lang="en-US" dirty="0">
-              <a:sym typeface="Wingdings" panose="05000000000000000000" pitchFamily="2" charset="2"/>
-            </a:endParaRPr>
-          </a:p>
-          <a:p>
-            <a:pPr marL="0" indent="0">
-              <a:buNone/>
-            </a:pPr>
-            <a:r>
-              <a:rPr lang="en-US" dirty="0" smtClean="0">
-                <a:sym typeface="Wingdings" panose="05000000000000000000" pitchFamily="2" charset="2"/>
-              </a:rPr>
-              <a:t>	This file contains sample test case  </a:t>
-            </a:r>
-          </a:p>
-          <a:p>
-            <a:endParaRPr lang="en-US" dirty="0"/>
-          </a:p>
-        </p:txBody>
-      </p:sp>
-    </p:spTree>
-    <p:extLst>
-      <p:ext uri="{BB962C8B-B14F-4D97-AF65-F5344CB8AC3E}">
-        <p14:creationId xmlns:p14="http://schemas.microsoft.com/office/powerpoint/2010/main" val="452376842"/>
-      </p:ext>
-    </p:extLst>
-  </p:cSld>
-  <p:clrMapOvr>
-    <a:masterClrMapping/>
-  </p:clrMapOvr>
-</p:sld>
-</file>
-
-<file path=ppt/slides/slide15.xml><?xml version="1.0" encoding="utf-8"?>
 <p:sld xmlns:a="http://schemas.openxmlformats.org/drawingml/2006/main" xmlns:r="http://schemas.openxmlformats.org/officeDocument/2006/relationships" xmlns:p="http://schemas.openxmlformats.org/presentationml/2006/main">
   <p:cSld>
     <p:spTree>
@@ -3518,8 +3182,8 @@
         </p:blipFill>
         <p:spPr>
           <a:xfrm>
-            <a:off x="0" y="0"/>
-            <a:ext cx="12192000" cy="6940197"/>
+            <a:off x="1748413" y="1481921"/>
+            <a:ext cx="8695173" cy="3894157"/>
           </a:xfrm>
           <a:prstGeom prst="rect">
             <a:avLst/>
@@ -3529,7 +3193,357 @@
     </p:spTree>
     <p:extLst>
       <p:ext uri="{BB962C8B-B14F-4D97-AF65-F5344CB8AC3E}">
-        <p14:creationId xmlns:p14="http://schemas.microsoft.com/office/powerpoint/2010/main" val="1352104801"/>
+        <p14:creationId xmlns:p14="http://schemas.microsoft.com/office/powerpoint/2010/main" val="1736234401"/>
+      </p:ext>
+    </p:extLst>
+  </p:cSld>
+  <p:clrMapOvr>
+    <a:masterClrMapping/>
+  </p:clrMapOvr>
+</p:sld>
+</file>
+
+<file path=ppt/slides/slide12.xml><?xml version="1.0" encoding="utf-8"?>
+<p:sld xmlns:a="http://schemas.openxmlformats.org/drawingml/2006/main" xmlns:r="http://schemas.openxmlformats.org/officeDocument/2006/relationships" xmlns:p="http://schemas.openxmlformats.org/presentationml/2006/main">
+  <p:cSld>
+    <p:spTree>
+      <p:nvGrpSpPr>
+        <p:cNvPr id="1" name=""/>
+        <p:cNvGrpSpPr/>
+        <p:nvPr/>
+      </p:nvGrpSpPr>
+      <p:grpSpPr>
+        <a:xfrm>
+          <a:off x="0" y="0"/>
+          <a:ext cx="0" cy="0"/>
+          <a:chOff x="0" y="0"/>
+          <a:chExt cx="0" cy="0"/>
+        </a:xfrm>
+      </p:grpSpPr>
+      <p:sp>
+        <p:nvSpPr>
+          <p:cNvPr id="2" name="Title 1"/>
+          <p:cNvSpPr>
+            <a:spLocks noGrp="1"/>
+          </p:cNvSpPr>
+          <p:nvPr>
+            <p:ph type="title"/>
+          </p:nvPr>
+        </p:nvSpPr>
+        <p:spPr/>
+        <p:txBody>
+          <a:bodyPr/>
+          <a:lstStyle/>
+          <a:p>
+            <a:r>
+              <a:rPr lang="en-US" dirty="0" smtClean="0"/>
+              <a:t>Now we will create the app.js file </a:t>
+            </a:r>
+            <a:endParaRPr lang="en-US" dirty="0"/>
+          </a:p>
+        </p:txBody>
+      </p:sp>
+      <p:sp>
+        <p:nvSpPr>
+          <p:cNvPr id="3" name="Content Placeholder 2"/>
+          <p:cNvSpPr>
+            <a:spLocks noGrp="1"/>
+          </p:cNvSpPr>
+          <p:nvPr>
+            <p:ph idx="1"/>
+          </p:nvPr>
+        </p:nvSpPr>
+        <p:spPr/>
+        <p:txBody>
+          <a:bodyPr/>
+          <a:lstStyle/>
+          <a:p>
+            <a:r>
+              <a:rPr lang="en-US" dirty="0" smtClean="0"/>
+              <a:t>This is main file </a:t>
+            </a:r>
+          </a:p>
+          <a:p>
+            <a:r>
+              <a:rPr lang="en-US" dirty="0" smtClean="0"/>
+              <a:t>This file load all the required module like express, mongoose, </a:t>
+            </a:r>
+            <a:r>
+              <a:rPr lang="en-US" dirty="0" err="1" smtClean="0"/>
+              <a:t>cors</a:t>
+            </a:r>
+            <a:r>
+              <a:rPr lang="en-US" dirty="0" smtClean="0"/>
+              <a:t>. </a:t>
+            </a:r>
+          </a:p>
+          <a:p>
+            <a:r>
+              <a:rPr lang="en-US" dirty="0" smtClean="0"/>
+              <a:t>Create the reference of express. </a:t>
+            </a:r>
+          </a:p>
+          <a:p>
+            <a:r>
+              <a:rPr lang="en-US" dirty="0" smtClean="0"/>
+              <a:t>All middleware base upon the requirement like enable </a:t>
+            </a:r>
+            <a:r>
+              <a:rPr lang="en-US" dirty="0" err="1" smtClean="0"/>
+              <a:t>cors</a:t>
+            </a:r>
+            <a:r>
+              <a:rPr lang="en-US" dirty="0" smtClean="0"/>
+              <a:t> policy which help to call frontend technologies. </a:t>
+            </a:r>
+          </a:p>
+          <a:p>
+            <a:r>
+              <a:rPr lang="en-US" dirty="0" smtClean="0"/>
+              <a:t>Then add router as a middleware </a:t>
+            </a:r>
+          </a:p>
+          <a:p>
+            <a:r>
+              <a:rPr lang="en-US" dirty="0" smtClean="0"/>
+              <a:t>Then run the application on specific port number like 9090 or 3000</a:t>
+            </a:r>
+            <a:endParaRPr lang="en-US" dirty="0"/>
+          </a:p>
+        </p:txBody>
+      </p:sp>
+    </p:spTree>
+    <p:extLst>
+      <p:ext uri="{BB962C8B-B14F-4D97-AF65-F5344CB8AC3E}">
+        <p14:creationId xmlns:p14="http://schemas.microsoft.com/office/powerpoint/2010/main" val="415354443"/>
+      </p:ext>
+    </p:extLst>
+  </p:cSld>
+  <p:clrMapOvr>
+    <a:masterClrMapping/>
+  </p:clrMapOvr>
+</p:sld>
+</file>
+
+<file path=ppt/slides/slide13.xml><?xml version="1.0" encoding="utf-8"?>
+<p:sld xmlns:a="http://schemas.openxmlformats.org/drawingml/2006/main" xmlns:r="http://schemas.openxmlformats.org/officeDocument/2006/relationships" xmlns:p="http://schemas.openxmlformats.org/presentationml/2006/main">
+  <p:cSld>
+    <p:spTree>
+      <p:nvGrpSpPr>
+        <p:cNvPr id="1" name=""/>
+        <p:cNvGrpSpPr/>
+        <p:nvPr/>
+      </p:nvGrpSpPr>
+      <p:grpSpPr>
+        <a:xfrm>
+          <a:off x="0" y="0"/>
+          <a:ext cx="0" cy="0"/>
+          <a:chOff x="0" y="0"/>
+          <a:chExt cx="0" cy="0"/>
+        </a:xfrm>
+      </p:grpSpPr>
+      <p:pic>
+        <p:nvPicPr>
+          <p:cNvPr id="4" name="Picture 3"/>
+          <p:cNvPicPr>
+            <a:picLocks noChangeAspect="1"/>
+          </p:cNvPicPr>
+          <p:nvPr/>
+        </p:nvPicPr>
+        <p:blipFill>
+          <a:blip r:embed="rId2"/>
+          <a:stretch>
+            <a:fillRect/>
+          </a:stretch>
+        </p:blipFill>
+        <p:spPr>
+          <a:xfrm>
+            <a:off x="2266618" y="125443"/>
+            <a:ext cx="7658764" cy="6607113"/>
+          </a:xfrm>
+          <a:prstGeom prst="rect">
+            <a:avLst/>
+          </a:prstGeom>
+        </p:spPr>
+      </p:pic>
+    </p:spTree>
+    <p:extLst>
+      <p:ext uri="{BB962C8B-B14F-4D97-AF65-F5344CB8AC3E}">
+        <p14:creationId xmlns:p14="http://schemas.microsoft.com/office/powerpoint/2010/main" val="2841621505"/>
+      </p:ext>
+    </p:extLst>
+  </p:cSld>
+  <p:clrMapOvr>
+    <a:masterClrMapping/>
+  </p:clrMapOvr>
+</p:sld>
+</file>
+
+<file path=ppt/slides/slide14.xml><?xml version="1.0" encoding="utf-8"?>
+<p:sld xmlns:a="http://schemas.openxmlformats.org/drawingml/2006/main" xmlns:r="http://schemas.openxmlformats.org/officeDocument/2006/relationships" xmlns:p="http://schemas.openxmlformats.org/presentationml/2006/main">
+  <p:cSld>
+    <p:spTree>
+      <p:nvGrpSpPr>
+        <p:cNvPr id="1" name=""/>
+        <p:cNvGrpSpPr/>
+        <p:nvPr/>
+      </p:nvGrpSpPr>
+      <p:grpSpPr>
+        <a:xfrm>
+          <a:off x="0" y="0"/>
+          <a:ext cx="0" cy="0"/>
+          <a:chOff x="0" y="0"/>
+          <a:chExt cx="0" cy="0"/>
+        </a:xfrm>
+      </p:grpSpPr>
+      <p:sp>
+        <p:nvSpPr>
+          <p:cNvPr id="2" name="Title 1"/>
+          <p:cNvSpPr>
+            <a:spLocks noGrp="1"/>
+          </p:cNvSpPr>
+          <p:nvPr>
+            <p:ph type="title"/>
+          </p:nvPr>
+        </p:nvSpPr>
+        <p:spPr/>
+        <p:txBody>
+          <a:bodyPr/>
+          <a:lstStyle/>
+          <a:p>
+            <a:r>
+              <a:rPr lang="en-US" dirty="0" smtClean="0"/>
+              <a:t>All rest </a:t>
+            </a:r>
+            <a:r>
+              <a:rPr lang="en-US" dirty="0" err="1" smtClean="0"/>
+              <a:t>api</a:t>
+            </a:r>
+            <a:r>
+              <a:rPr lang="en-US" dirty="0" smtClean="0"/>
+              <a:t> </a:t>
+            </a:r>
+            <a:r>
+              <a:rPr lang="en-US" dirty="0" err="1" smtClean="0"/>
+              <a:t>url</a:t>
+            </a:r>
+            <a:r>
+              <a:rPr lang="en-US" dirty="0" smtClean="0"/>
+              <a:t> reference file </a:t>
+            </a:r>
+            <a:endParaRPr lang="en-US" dirty="0"/>
+          </a:p>
+        </p:txBody>
+      </p:sp>
+      <p:pic>
+        <p:nvPicPr>
+          <p:cNvPr id="4" name="Content Placeholder 3"/>
+          <p:cNvPicPr>
+            <a:picLocks noGrp="1" noChangeAspect="1"/>
+          </p:cNvPicPr>
+          <p:nvPr>
+            <p:ph idx="1"/>
+          </p:nvPr>
+        </p:nvPicPr>
+        <p:blipFill>
+          <a:blip r:embed="rId2"/>
+          <a:stretch>
+            <a:fillRect/>
+          </a:stretch>
+        </p:blipFill>
+        <p:spPr>
+          <a:xfrm>
+            <a:off x="1934513" y="1607127"/>
+            <a:ext cx="5971814" cy="4763800"/>
+          </a:xfrm>
+          <a:prstGeom prst="rect">
+            <a:avLst/>
+          </a:prstGeom>
+        </p:spPr>
+      </p:pic>
+    </p:spTree>
+    <p:extLst>
+      <p:ext uri="{BB962C8B-B14F-4D97-AF65-F5344CB8AC3E}">
+        <p14:creationId xmlns:p14="http://schemas.microsoft.com/office/powerpoint/2010/main" val="3110353963"/>
+      </p:ext>
+    </p:extLst>
+  </p:cSld>
+  <p:clrMapOvr>
+    <a:masterClrMapping/>
+  </p:clrMapOvr>
+</p:sld>
+</file>
+
+<file path=ppt/slides/slide15.xml><?xml version="1.0" encoding="utf-8"?>
+<p:sld xmlns:a="http://schemas.openxmlformats.org/drawingml/2006/main" xmlns:r="http://schemas.openxmlformats.org/officeDocument/2006/relationships" xmlns:p="http://schemas.openxmlformats.org/presentationml/2006/main">
+  <p:cSld>
+    <p:spTree>
+      <p:nvGrpSpPr>
+        <p:cNvPr id="1" name=""/>
+        <p:cNvGrpSpPr/>
+        <p:nvPr/>
+      </p:nvGrpSpPr>
+      <p:grpSpPr>
+        <a:xfrm>
+          <a:off x="0" y="0"/>
+          <a:ext cx="0" cy="0"/>
+          <a:chOff x="0" y="0"/>
+          <a:chExt cx="0" cy="0"/>
+        </a:xfrm>
+      </p:grpSpPr>
+      <p:sp>
+        <p:nvSpPr>
+          <p:cNvPr id="2" name="Title 1"/>
+          <p:cNvSpPr>
+            <a:spLocks noGrp="1"/>
+          </p:cNvSpPr>
+          <p:nvPr>
+            <p:ph type="title"/>
+          </p:nvPr>
+        </p:nvSpPr>
+        <p:spPr/>
+        <p:txBody>
+          <a:bodyPr/>
+          <a:lstStyle/>
+          <a:p>
+            <a:r>
+              <a:rPr lang="en-US" dirty="0" smtClean="0"/>
+              <a:t>Now run the app.js file using command prompt- store more documents. </a:t>
+            </a:r>
+            <a:endParaRPr lang="en-US" dirty="0"/>
+          </a:p>
+        </p:txBody>
+      </p:sp>
+      <p:pic>
+        <p:nvPicPr>
+          <p:cNvPr id="6" name="Content Placeholder 5"/>
+          <p:cNvPicPr>
+            <a:picLocks noGrp="1" noChangeAspect="1"/>
+          </p:cNvPicPr>
+          <p:nvPr>
+            <p:ph idx="1"/>
+          </p:nvPr>
+        </p:nvPicPr>
+        <p:blipFill>
+          <a:blip r:embed="rId2"/>
+          <a:stretch>
+            <a:fillRect/>
+          </a:stretch>
+        </p:blipFill>
+        <p:spPr>
+          <a:xfrm>
+            <a:off x="2106584" y="2736264"/>
+            <a:ext cx="7978831" cy="2530059"/>
+          </a:xfrm>
+          <a:prstGeom prst="rect">
+            <a:avLst/>
+          </a:prstGeom>
+        </p:spPr>
+      </p:pic>
+    </p:spTree>
+    <p:extLst>
+      <p:ext uri="{BB962C8B-B14F-4D97-AF65-F5344CB8AC3E}">
+        <p14:creationId xmlns:p14="http://schemas.microsoft.com/office/powerpoint/2010/main" val="2377985530"/>
       </p:ext>
     </p:extLst>
   </p:cSld>
@@ -3573,7 +3587,15 @@
           <a:p>
             <a:r>
               <a:rPr lang="en-US" dirty="0" smtClean="0"/>
-              <a:t>To run the test case </a:t>
+              <a:t>Now open the </a:t>
+            </a:r>
+            <a:r>
+              <a:rPr lang="en-US" dirty="0" err="1" smtClean="0"/>
+              <a:t>Git</a:t>
+            </a:r>
+            <a:r>
+              <a:rPr lang="en-US" dirty="0" smtClean="0"/>
+              <a:t> terminal </a:t>
             </a:r>
             <a:endParaRPr lang="en-US" dirty="0"/>
           </a:p>
@@ -3592,7 +3614,7 @@
         <p:spPr>
           <a:xfrm>
             <a:off x="838200" y="1825625"/>
-            <a:ext cx="9608127" cy="991466"/>
+            <a:ext cx="10515600" cy="1924339"/>
           </a:xfrm>
         </p:spPr>
         <p:txBody>
@@ -3601,19 +3623,38 @@
           <a:p>
             <a:r>
               <a:rPr lang="en-US" dirty="0" smtClean="0"/>
-              <a:t>We need to use the command as </a:t>
-            </a:r>
-          </a:p>
-          <a:p>
-            <a:pPr lvl="1"/>
+              <a:t>To store the product </a:t>
+            </a:r>
+          </a:p>
+          <a:p>
+            <a:pPr marL="0" indent="0">
+              <a:buNone/>
+            </a:pPr>
             <a:r>
               <a:rPr lang="en-US" dirty="0"/>
-              <a:t>n</a:t>
-            </a:r>
-            <a:r>
-              <a:rPr lang="en-US" dirty="0" smtClean="0"/>
-              <a:t>g test </a:t>
-            </a:r>
+              <a:t>curl -X POST -H "</a:t>
+            </a:r>
+            <a:r>
+              <a:rPr lang="en-US" dirty="0" err="1"/>
+              <a:t>content-type:application</a:t>
+            </a:r>
+            <a:r>
+              <a:rPr lang="en-US" dirty="0"/>
+              <a:t>/</a:t>
+            </a:r>
+            <a:r>
+              <a:rPr lang="en-US" dirty="0" err="1"/>
+              <a:t>json</a:t>
+            </a:r>
+            <a:r>
+              <a:rPr lang="en-US" dirty="0"/>
+              <a:t>" -d '{"_id":1,"pname":"TV","price":45000}' http://localhost:9090/api/product/storeProductDetails</a:t>
+            </a:r>
+          </a:p>
+          <a:p>
+            <a:pPr marL="0" indent="0">
+              <a:buNone/>
+            </a:pPr>
             <a:endParaRPr lang="en-US" dirty="0"/>
           </a:p>
         </p:txBody>
@@ -3634,8 +3675,8 @@
         </p:blipFill>
         <p:spPr>
           <a:xfrm>
-            <a:off x="184727" y="3481842"/>
-            <a:ext cx="12192000" cy="2720641"/>
+            <a:off x="0" y="4391004"/>
+            <a:ext cx="12192000" cy="1401084"/>
           </a:xfrm>
           <a:prstGeom prst="rect">
             <a:avLst/>
@@ -3645,7 +3686,7 @@
     </p:spTree>
     <p:extLst>
       <p:ext uri="{BB962C8B-B14F-4D97-AF65-F5344CB8AC3E}">
-        <p14:creationId xmlns:p14="http://schemas.microsoft.com/office/powerpoint/2010/main" val="1025171442"/>
+        <p14:creationId xmlns:p14="http://schemas.microsoft.com/office/powerpoint/2010/main" val="2691259079"/>
       </p:ext>
     </p:extLst>
   </p:cSld>
@@ -3656,6 +3697,651 @@
 </file>
 
 <file path=ppt/slides/slide17.xml><?xml version="1.0" encoding="utf-8"?>
+<p:sld xmlns:a="http://schemas.openxmlformats.org/drawingml/2006/main" xmlns:r="http://schemas.openxmlformats.org/officeDocument/2006/relationships" xmlns:p="http://schemas.openxmlformats.org/presentationml/2006/main">
+  <p:cSld>
+    <p:spTree>
+      <p:nvGrpSpPr>
+        <p:cNvPr id="1" name=""/>
+        <p:cNvGrpSpPr/>
+        <p:nvPr/>
+      </p:nvGrpSpPr>
+      <p:grpSpPr>
+        <a:xfrm>
+          <a:off x="0" y="0"/>
+          <a:ext cx="0" cy="0"/>
+          <a:chOff x="0" y="0"/>
+          <a:chExt cx="0" cy="0"/>
+        </a:xfrm>
+      </p:grpSpPr>
+      <p:sp>
+        <p:nvSpPr>
+          <p:cNvPr id="2" name="Title 1"/>
+          <p:cNvSpPr>
+            <a:spLocks noGrp="1"/>
+          </p:cNvSpPr>
+          <p:nvPr>
+            <p:ph type="title"/>
+          </p:nvPr>
+        </p:nvSpPr>
+        <p:spPr/>
+        <p:txBody>
+          <a:bodyPr/>
+          <a:lstStyle/>
+          <a:p>
+            <a:r>
+              <a:rPr lang="en-US" dirty="0" smtClean="0"/>
+              <a:t>In Mongo </a:t>
+            </a:r>
+            <a:r>
+              <a:rPr lang="en-US" dirty="0" err="1" smtClean="0"/>
+              <a:t>db</a:t>
+            </a:r>
+            <a:r>
+              <a:rPr lang="en-US" dirty="0" smtClean="0"/>
+              <a:t> database mean </a:t>
+            </a:r>
+            <a:r>
+              <a:rPr lang="en-US" dirty="0" err="1" smtClean="0"/>
+              <a:t>db</a:t>
+            </a:r>
+            <a:r>
+              <a:rPr lang="en-US" dirty="0" smtClean="0"/>
+              <a:t> created and you can check product collection </a:t>
+            </a:r>
+            <a:endParaRPr lang="en-US" dirty="0"/>
+          </a:p>
+        </p:txBody>
+      </p:sp>
+      <p:pic>
+        <p:nvPicPr>
+          <p:cNvPr id="4" name="Content Placeholder 3"/>
+          <p:cNvPicPr>
+            <a:picLocks noGrp="1" noChangeAspect="1"/>
+          </p:cNvPicPr>
+          <p:nvPr>
+            <p:ph idx="1"/>
+          </p:nvPr>
+        </p:nvPicPr>
+        <p:blipFill>
+          <a:blip r:embed="rId2"/>
+          <a:stretch>
+            <a:fillRect/>
+          </a:stretch>
+        </p:blipFill>
+        <p:spPr>
+          <a:xfrm>
+            <a:off x="3074639" y="1825625"/>
+            <a:ext cx="6042721" cy="4351338"/>
+          </a:xfrm>
+          <a:prstGeom prst="rect">
+            <a:avLst/>
+          </a:prstGeom>
+        </p:spPr>
+      </p:pic>
+    </p:spTree>
+    <p:extLst>
+      <p:ext uri="{BB962C8B-B14F-4D97-AF65-F5344CB8AC3E}">
+        <p14:creationId xmlns:p14="http://schemas.microsoft.com/office/powerpoint/2010/main" val="3849284667"/>
+      </p:ext>
+    </p:extLst>
+  </p:cSld>
+  <p:clrMapOvr>
+    <a:masterClrMapping/>
+  </p:clrMapOvr>
+</p:sld>
+</file>
+
+<file path=ppt/slides/slide18.xml><?xml version="1.0" encoding="utf-8"?>
+<p:sld xmlns:a="http://schemas.openxmlformats.org/drawingml/2006/main" xmlns:r="http://schemas.openxmlformats.org/officeDocument/2006/relationships" xmlns:p="http://schemas.openxmlformats.org/presentationml/2006/main">
+  <p:cSld>
+    <p:spTree>
+      <p:nvGrpSpPr>
+        <p:cNvPr id="1" name=""/>
+        <p:cNvGrpSpPr/>
+        <p:nvPr/>
+      </p:nvGrpSpPr>
+      <p:grpSpPr>
+        <a:xfrm>
+          <a:off x="0" y="0"/>
+          <a:ext cx="0" cy="0"/>
+          <a:chOff x="0" y="0"/>
+          <a:chExt cx="0" cy="0"/>
+        </a:xfrm>
+      </p:grpSpPr>
+      <p:sp>
+        <p:nvSpPr>
+          <p:cNvPr id="2" name="Title 1"/>
+          <p:cNvSpPr>
+            <a:spLocks noGrp="1"/>
+          </p:cNvSpPr>
+          <p:nvPr>
+            <p:ph type="title"/>
+          </p:nvPr>
+        </p:nvSpPr>
+        <p:spPr/>
+        <p:txBody>
+          <a:bodyPr/>
+          <a:lstStyle/>
+          <a:p>
+            <a:r>
+              <a:rPr lang="en-US" dirty="0" smtClean="0"/>
+              <a:t>View all documents from product collection </a:t>
+            </a:r>
+            <a:endParaRPr lang="en-US" dirty="0"/>
+          </a:p>
+        </p:txBody>
+      </p:sp>
+      <p:sp>
+        <p:nvSpPr>
+          <p:cNvPr id="3" name="Content Placeholder 2"/>
+          <p:cNvSpPr>
+            <a:spLocks noGrp="1"/>
+          </p:cNvSpPr>
+          <p:nvPr>
+            <p:ph idx="1"/>
+          </p:nvPr>
+        </p:nvSpPr>
+        <p:spPr/>
+        <p:txBody>
+          <a:bodyPr/>
+          <a:lstStyle/>
+          <a:p>
+            <a:r>
+              <a:rPr lang="en-US" dirty="0"/>
+              <a:t>curl -X GET  </a:t>
+            </a:r>
+            <a:r>
+              <a:rPr lang="en-US" dirty="0">
+                <a:hlinkClick r:id="rId2"/>
+              </a:rPr>
+              <a:t>http://</a:t>
+            </a:r>
+            <a:r>
+              <a:rPr lang="en-US" dirty="0" smtClean="0">
+                <a:hlinkClick r:id="rId2"/>
+              </a:rPr>
+              <a:t>localhost:9090/api/product/getProductDetails</a:t>
+            </a:r>
+            <a:endParaRPr lang="en-US" dirty="0" smtClean="0"/>
+          </a:p>
+          <a:p>
+            <a:endParaRPr lang="en-US" dirty="0"/>
+          </a:p>
+          <a:p>
+            <a:endParaRPr lang="en-US" dirty="0"/>
+          </a:p>
+        </p:txBody>
+      </p:sp>
+      <p:pic>
+        <p:nvPicPr>
+          <p:cNvPr id="4" name="Picture 3"/>
+          <p:cNvPicPr>
+            <a:picLocks noChangeAspect="1"/>
+          </p:cNvPicPr>
+          <p:nvPr/>
+        </p:nvPicPr>
+        <p:blipFill>
+          <a:blip r:embed="rId3"/>
+          <a:stretch>
+            <a:fillRect/>
+          </a:stretch>
+        </p:blipFill>
+        <p:spPr>
+          <a:xfrm>
+            <a:off x="0" y="4853996"/>
+            <a:ext cx="12192000" cy="1638882"/>
+          </a:xfrm>
+          <a:prstGeom prst="rect">
+            <a:avLst/>
+          </a:prstGeom>
+        </p:spPr>
+      </p:pic>
+    </p:spTree>
+    <p:extLst>
+      <p:ext uri="{BB962C8B-B14F-4D97-AF65-F5344CB8AC3E}">
+        <p14:creationId xmlns:p14="http://schemas.microsoft.com/office/powerpoint/2010/main" val="782029780"/>
+      </p:ext>
+    </p:extLst>
+  </p:cSld>
+  <p:clrMapOvr>
+    <a:masterClrMapping/>
+  </p:clrMapOvr>
+</p:sld>
+</file>
+
+<file path=ppt/slides/slide19.xml><?xml version="1.0" encoding="utf-8"?>
+<p:sld xmlns:a="http://schemas.openxmlformats.org/drawingml/2006/main" xmlns:r="http://schemas.openxmlformats.org/officeDocument/2006/relationships" xmlns:p="http://schemas.openxmlformats.org/presentationml/2006/main">
+  <p:cSld>
+    <p:spTree>
+      <p:nvGrpSpPr>
+        <p:cNvPr id="1" name=""/>
+        <p:cNvGrpSpPr/>
+        <p:nvPr/>
+      </p:nvGrpSpPr>
+      <p:grpSpPr>
+        <a:xfrm>
+          <a:off x="0" y="0"/>
+          <a:ext cx="0" cy="0"/>
+          <a:chOff x="0" y="0"/>
+          <a:chExt cx="0" cy="0"/>
+        </a:xfrm>
+      </p:grpSpPr>
+      <p:sp>
+        <p:nvSpPr>
+          <p:cNvPr id="2" name="Title 1"/>
+          <p:cNvSpPr>
+            <a:spLocks noGrp="1"/>
+          </p:cNvSpPr>
+          <p:nvPr>
+            <p:ph type="title"/>
+          </p:nvPr>
+        </p:nvSpPr>
+        <p:spPr/>
+        <p:txBody>
+          <a:bodyPr/>
+          <a:lstStyle/>
+          <a:p>
+            <a:r>
+              <a:rPr lang="en-US" dirty="0" smtClean="0"/>
+              <a:t>Update the price using _id value in product document. </a:t>
+            </a:r>
+            <a:endParaRPr lang="en-US" dirty="0"/>
+          </a:p>
+        </p:txBody>
+      </p:sp>
+      <p:sp>
+        <p:nvSpPr>
+          <p:cNvPr id="3" name="Content Placeholder 2"/>
+          <p:cNvSpPr>
+            <a:spLocks noGrp="1"/>
+          </p:cNvSpPr>
+          <p:nvPr>
+            <p:ph idx="1"/>
+          </p:nvPr>
+        </p:nvSpPr>
+        <p:spPr/>
+        <p:txBody>
+          <a:bodyPr/>
+          <a:lstStyle/>
+          <a:p>
+            <a:r>
+              <a:rPr lang="en-US" dirty="0"/>
+              <a:t> curl -X PUT -H "</a:t>
+            </a:r>
+            <a:r>
+              <a:rPr lang="en-US" dirty="0" err="1"/>
+              <a:t>content-type:application</a:t>
+            </a:r>
+            <a:r>
+              <a:rPr lang="en-US" dirty="0"/>
+              <a:t>/</a:t>
+            </a:r>
+            <a:r>
+              <a:rPr lang="en-US" dirty="0" err="1"/>
+              <a:t>json</a:t>
+            </a:r>
+            <a:r>
+              <a:rPr lang="en-US" dirty="0"/>
+              <a:t>" -d '{"_id":1,"price":38000}' </a:t>
+            </a:r>
+            <a:r>
+              <a:rPr lang="en-US" dirty="0">
+                <a:hlinkClick r:id="rId2"/>
+              </a:rPr>
+              <a:t>http://</a:t>
+            </a:r>
+            <a:r>
+              <a:rPr lang="en-US" dirty="0" smtClean="0">
+                <a:hlinkClick r:id="rId2"/>
+              </a:rPr>
+              <a:t>localhost:9090/api/product/updateProductDetails</a:t>
+            </a:r>
+            <a:endParaRPr lang="en-US" dirty="0" smtClean="0"/>
+          </a:p>
+          <a:p>
+            <a:endParaRPr lang="en-US" dirty="0"/>
+          </a:p>
+          <a:p>
+            <a:endParaRPr lang="en-US" dirty="0"/>
+          </a:p>
+        </p:txBody>
+      </p:sp>
+      <p:pic>
+        <p:nvPicPr>
+          <p:cNvPr id="4" name="Picture 3"/>
+          <p:cNvPicPr>
+            <a:picLocks noChangeAspect="1"/>
+          </p:cNvPicPr>
+          <p:nvPr/>
+        </p:nvPicPr>
+        <p:blipFill>
+          <a:blip r:embed="rId3"/>
+          <a:stretch>
+            <a:fillRect/>
+          </a:stretch>
+        </p:blipFill>
+        <p:spPr>
+          <a:xfrm>
+            <a:off x="0" y="3845685"/>
+            <a:ext cx="12192000" cy="2916593"/>
+          </a:xfrm>
+          <a:prstGeom prst="rect">
+            <a:avLst/>
+          </a:prstGeom>
+        </p:spPr>
+      </p:pic>
+    </p:spTree>
+    <p:extLst>
+      <p:ext uri="{BB962C8B-B14F-4D97-AF65-F5344CB8AC3E}">
+        <p14:creationId xmlns:p14="http://schemas.microsoft.com/office/powerpoint/2010/main" val="2736619830"/>
+      </p:ext>
+    </p:extLst>
+  </p:cSld>
+  <p:clrMapOvr>
+    <a:masterClrMapping/>
+  </p:clrMapOvr>
+</p:sld>
+</file>
+
+<file path=ppt/slides/slide2.xml><?xml version="1.0" encoding="utf-8"?>
+<p:sld xmlns:a="http://schemas.openxmlformats.org/drawingml/2006/main" xmlns:r="http://schemas.openxmlformats.org/officeDocument/2006/relationships" xmlns:p="http://schemas.openxmlformats.org/presentationml/2006/main">
+  <p:cSld>
+    <p:spTree>
+      <p:nvGrpSpPr>
+        <p:cNvPr id="1" name=""/>
+        <p:cNvGrpSpPr/>
+        <p:nvPr/>
+      </p:nvGrpSpPr>
+      <p:grpSpPr>
+        <a:xfrm>
+          <a:off x="0" y="0"/>
+          <a:ext cx="0" cy="0"/>
+          <a:chOff x="0" y="0"/>
+          <a:chExt cx="0" cy="0"/>
+        </a:xfrm>
+      </p:grpSpPr>
+      <p:sp>
+        <p:nvSpPr>
+          <p:cNvPr id="2" name="Title 1"/>
+          <p:cNvSpPr>
+            <a:spLocks noGrp="1"/>
+          </p:cNvSpPr>
+          <p:nvPr>
+            <p:ph type="title"/>
+          </p:nvPr>
+        </p:nvSpPr>
+        <p:spPr/>
+        <p:txBody>
+          <a:bodyPr/>
+          <a:lstStyle/>
+          <a:p>
+            <a:r>
+              <a:rPr lang="en-US" dirty="0" smtClean="0"/>
+              <a:t>Frist create the folder structure </a:t>
+            </a:r>
+            <a:endParaRPr lang="en-US" dirty="0"/>
+          </a:p>
+        </p:txBody>
+      </p:sp>
+      <p:sp>
+        <p:nvSpPr>
+          <p:cNvPr id="3" name="Content Placeholder 2"/>
+          <p:cNvSpPr>
+            <a:spLocks noGrp="1"/>
+          </p:cNvSpPr>
+          <p:nvPr>
+            <p:ph idx="1"/>
+          </p:nvPr>
+        </p:nvSpPr>
+        <p:spPr/>
+        <p:txBody>
+          <a:bodyPr/>
+          <a:lstStyle/>
+          <a:p>
+            <a:r>
+              <a:rPr lang="en-US" dirty="0" smtClean="0"/>
+              <a:t>Backend folder </a:t>
+            </a:r>
+          </a:p>
+          <a:p>
+            <a:r>
+              <a:rPr lang="en-US" dirty="0" smtClean="0"/>
+              <a:t>Open this folder in vs code </a:t>
+            </a:r>
+          </a:p>
+          <a:p>
+            <a:r>
+              <a:rPr lang="en-US" dirty="0" smtClean="0"/>
+              <a:t>Create </a:t>
+            </a:r>
+            <a:r>
+              <a:rPr lang="en-US" dirty="0" err="1" smtClean="0"/>
+              <a:t>package.json</a:t>
+            </a:r>
+            <a:r>
+              <a:rPr lang="en-US" dirty="0" smtClean="0"/>
+              <a:t> file using the command as </a:t>
+            </a:r>
+            <a:r>
+              <a:rPr lang="en-US" dirty="0" err="1" smtClean="0"/>
+              <a:t>npm</a:t>
+            </a:r>
+            <a:r>
+              <a:rPr lang="en-US" dirty="0" smtClean="0"/>
+              <a:t> </a:t>
+            </a:r>
+            <a:r>
+              <a:rPr lang="en-US" dirty="0" err="1" smtClean="0"/>
+              <a:t>init</a:t>
+            </a:r>
+            <a:endParaRPr lang="en-US" dirty="0" smtClean="0"/>
+          </a:p>
+          <a:p>
+            <a:r>
+              <a:rPr lang="en-US" dirty="0" smtClean="0"/>
+              <a:t>Install created dependencies like </a:t>
+            </a:r>
+          </a:p>
+          <a:p>
+            <a:r>
+              <a:rPr lang="en-US" dirty="0" err="1"/>
+              <a:t>n</a:t>
+            </a:r>
+            <a:r>
+              <a:rPr lang="en-US" dirty="0" err="1" smtClean="0"/>
+              <a:t>pm</a:t>
+            </a:r>
+            <a:r>
+              <a:rPr lang="en-US" dirty="0" smtClean="0"/>
+              <a:t> install express </a:t>
+            </a:r>
+          </a:p>
+          <a:p>
+            <a:r>
+              <a:rPr lang="en-US" dirty="0" err="1"/>
+              <a:t>n</a:t>
+            </a:r>
+            <a:r>
+              <a:rPr lang="en-US" dirty="0" err="1" smtClean="0"/>
+              <a:t>pm</a:t>
+            </a:r>
+            <a:r>
+              <a:rPr lang="en-US" dirty="0" smtClean="0"/>
+              <a:t> install mongoose </a:t>
+            </a:r>
+          </a:p>
+          <a:p>
+            <a:r>
+              <a:rPr lang="en-US" dirty="0" err="1"/>
+              <a:t>n</a:t>
+            </a:r>
+            <a:r>
+              <a:rPr lang="en-US" dirty="0" err="1" smtClean="0"/>
+              <a:t>pm</a:t>
+            </a:r>
+            <a:r>
+              <a:rPr lang="en-US" dirty="0" smtClean="0"/>
+              <a:t> install </a:t>
+            </a:r>
+            <a:r>
+              <a:rPr lang="en-US" dirty="0" err="1" smtClean="0"/>
+              <a:t>cors</a:t>
+            </a:r>
+            <a:r>
+              <a:rPr lang="en-US" dirty="0" smtClean="0"/>
+              <a:t> </a:t>
+            </a:r>
+          </a:p>
+        </p:txBody>
+      </p:sp>
+    </p:spTree>
+    <p:extLst>
+      <p:ext uri="{BB962C8B-B14F-4D97-AF65-F5344CB8AC3E}">
+        <p14:creationId xmlns:p14="http://schemas.microsoft.com/office/powerpoint/2010/main" val="1771591086"/>
+      </p:ext>
+    </p:extLst>
+  </p:cSld>
+  <p:clrMapOvr>
+    <a:masterClrMapping/>
+  </p:clrMapOvr>
+</p:sld>
+</file>
+
+<file path=ppt/slides/slide20.xml><?xml version="1.0" encoding="utf-8"?>
+<p:sld xmlns:a="http://schemas.openxmlformats.org/drawingml/2006/main" xmlns:r="http://schemas.openxmlformats.org/officeDocument/2006/relationships" xmlns:p="http://schemas.openxmlformats.org/presentationml/2006/main">
+  <p:cSld>
+    <p:spTree>
+      <p:nvGrpSpPr>
+        <p:cNvPr id="1" name=""/>
+        <p:cNvGrpSpPr/>
+        <p:nvPr/>
+      </p:nvGrpSpPr>
+      <p:grpSpPr>
+        <a:xfrm>
+          <a:off x="0" y="0"/>
+          <a:ext cx="0" cy="0"/>
+          <a:chOff x="0" y="0"/>
+          <a:chExt cx="0" cy="0"/>
+        </a:xfrm>
+      </p:grpSpPr>
+      <p:sp>
+        <p:nvSpPr>
+          <p:cNvPr id="2" name="Title 1"/>
+          <p:cNvSpPr>
+            <a:spLocks noGrp="1"/>
+          </p:cNvSpPr>
+          <p:nvPr>
+            <p:ph type="title"/>
+          </p:nvPr>
+        </p:nvSpPr>
+        <p:spPr/>
+        <p:txBody>
+          <a:bodyPr/>
+          <a:lstStyle/>
+          <a:p>
+            <a:r>
+              <a:rPr lang="en-US" dirty="0" smtClean="0"/>
+              <a:t>Delete product information using _id </a:t>
+            </a:r>
+            <a:endParaRPr lang="en-US" dirty="0"/>
+          </a:p>
+        </p:txBody>
+      </p:sp>
+      <p:sp>
+        <p:nvSpPr>
+          <p:cNvPr id="3" name="Content Placeholder 2"/>
+          <p:cNvSpPr>
+            <a:spLocks noGrp="1"/>
+          </p:cNvSpPr>
+          <p:nvPr>
+            <p:ph idx="1"/>
+          </p:nvPr>
+        </p:nvSpPr>
+        <p:spPr/>
+        <p:txBody>
+          <a:bodyPr/>
+          <a:lstStyle/>
+          <a:p>
+            <a:r>
+              <a:rPr lang="en-US" dirty="0"/>
+              <a:t>curl -X DELETE -H "</a:t>
+            </a:r>
+            <a:r>
+              <a:rPr lang="en-US" dirty="0" err="1"/>
+              <a:t>content-type:application</a:t>
+            </a:r>
+            <a:r>
+              <a:rPr lang="en-US" dirty="0"/>
+              <a:t>/</a:t>
+            </a:r>
+            <a:r>
+              <a:rPr lang="en-US" dirty="0" err="1"/>
+              <a:t>json</a:t>
+            </a:r>
+            <a:r>
+              <a:rPr lang="en-US" dirty="0"/>
+              <a:t>" </a:t>
+            </a:r>
+            <a:r>
+              <a:rPr lang="en-US" dirty="0">
+                <a:hlinkClick r:id="rId2"/>
+              </a:rPr>
+              <a:t>http://</a:t>
+            </a:r>
+            <a:r>
+              <a:rPr lang="en-US" dirty="0" smtClean="0">
+                <a:hlinkClick r:id="rId2"/>
+              </a:rPr>
+              <a:t>localhost:9090/api/product/deleteProductDetails/1</a:t>
+            </a:r>
+            <a:endParaRPr lang="en-US" dirty="0" smtClean="0"/>
+          </a:p>
+          <a:p>
+            <a:endParaRPr lang="en-US" dirty="0"/>
+          </a:p>
+          <a:p>
+            <a:endParaRPr lang="en-US" dirty="0"/>
+          </a:p>
+        </p:txBody>
+      </p:sp>
+      <p:pic>
+        <p:nvPicPr>
+          <p:cNvPr id="4" name="Picture 3"/>
+          <p:cNvPicPr>
+            <a:picLocks noChangeAspect="1"/>
+          </p:cNvPicPr>
+          <p:nvPr/>
+        </p:nvPicPr>
+        <p:blipFill>
+          <a:blip r:embed="rId3"/>
+          <a:stretch>
+            <a:fillRect/>
+          </a:stretch>
+        </p:blipFill>
+        <p:spPr>
+          <a:xfrm>
+            <a:off x="0" y="4534936"/>
+            <a:ext cx="12192000" cy="1464199"/>
+          </a:xfrm>
+          <a:prstGeom prst="rect">
+            <a:avLst/>
+          </a:prstGeom>
+        </p:spPr>
+      </p:pic>
+    </p:spTree>
+    <p:extLst>
+      <p:ext uri="{BB962C8B-B14F-4D97-AF65-F5344CB8AC3E}">
+        <p14:creationId xmlns:p14="http://schemas.microsoft.com/office/powerpoint/2010/main" val="504350288"/>
+      </p:ext>
+    </p:extLst>
+  </p:cSld>
+  <p:clrMapOvr>
+    <a:masterClrMapping/>
+  </p:clrMapOvr>
+</p:sld>
+</file>
+
+<file path=ppt/slides/slide3.xml><?xml version="1.0" encoding="utf-8"?>
 <p:sld xmlns:a="http://schemas.openxmlformats.org/drawingml/2006/main" xmlns:r="http://schemas.openxmlformats.org/officeDocument/2006/relationships" xmlns:p="http://schemas.openxmlformats.org/presentationml/2006/main">
   <p:cSld>
     <p:spTree>
@@ -3688,8 +4374,8 @@
         </p:blipFill>
         <p:spPr>
           <a:xfrm>
-            <a:off x="1593908" y="0"/>
-            <a:ext cx="9004184" cy="6858000"/>
+            <a:off x="2697185" y="1078026"/>
+            <a:ext cx="6797629" cy="4701947"/>
           </a:xfrm>
           <a:prstGeom prst="rect">
             <a:avLst/>
@@ -3699,7 +4385,7 @@
     </p:spTree>
     <p:extLst>
       <p:ext uri="{BB962C8B-B14F-4D97-AF65-F5344CB8AC3E}">
-        <p14:creationId xmlns:p14="http://schemas.microsoft.com/office/powerpoint/2010/main" val="1714753965"/>
+        <p14:creationId xmlns:p14="http://schemas.microsoft.com/office/powerpoint/2010/main" val="4248222988"/>
       </p:ext>
     </p:extLst>
   </p:cSld>
@@ -3709,7 +4395,7 @@
 </p:sld>
 </file>
 
-<file path=ppt/slides/slide18.xml><?xml version="1.0" encoding="utf-8"?>
+<file path=ppt/slides/slide4.xml><?xml version="1.0" encoding="utf-8"?>
 <p:sld xmlns:a="http://schemas.openxmlformats.org/drawingml/2006/main" xmlns:r="http://schemas.openxmlformats.org/officeDocument/2006/relationships" xmlns:p="http://schemas.openxmlformats.org/presentationml/2006/main">
   <p:cSld>
     <p:spTree>
@@ -3743,7 +4429,7 @@
           <a:p>
             <a:r>
               <a:rPr lang="en-US" dirty="0" smtClean="0"/>
-              <a:t>Testing in banking application </a:t>
+              <a:t>Now create the folder structure </a:t>
             </a:r>
             <a:endParaRPr lang="en-US" dirty="0"/>
           </a:p>
@@ -3767,8 +4453,8 @@
         </p:blipFill>
         <p:spPr>
           <a:xfrm>
-            <a:off x="838200" y="3255764"/>
-            <a:ext cx="10515600" cy="1491059"/>
+            <a:off x="3075709" y="1690688"/>
+            <a:ext cx="4003356" cy="4312948"/>
           </a:xfrm>
           <a:prstGeom prst="rect">
             <a:avLst/>
@@ -3778,7 +4464,7 @@
     </p:spTree>
     <p:extLst>
       <p:ext uri="{BB962C8B-B14F-4D97-AF65-F5344CB8AC3E}">
-        <p14:creationId xmlns:p14="http://schemas.microsoft.com/office/powerpoint/2010/main" val="1199391653"/>
+        <p14:creationId xmlns:p14="http://schemas.microsoft.com/office/powerpoint/2010/main" val="568459786"/>
       </p:ext>
     </p:extLst>
   </p:cSld>
@@ -3788,7 +4474,7 @@
 </p:sld>
 </file>
 
-<file path=ppt/slides/slide19.xml><?xml version="1.0" encoding="utf-8"?>
+<file path=ppt/slides/slide5.xml><?xml version="1.0" encoding="utf-8"?>
 <p:sld xmlns:a="http://schemas.openxmlformats.org/drawingml/2006/main" xmlns:r="http://schemas.openxmlformats.org/officeDocument/2006/relationships" xmlns:p="http://schemas.openxmlformats.org/presentationml/2006/main">
   <p:cSld>
     <p:spTree>
@@ -3821,47 +4507,46 @@
           <a:lstStyle/>
           <a:p>
             <a:r>
-              <a:rPr lang="en-US" dirty="0" err="1"/>
-              <a:t>a</a:t>
-            </a:r>
-            <a:r>
-              <a:rPr lang="en-US" dirty="0" err="1" smtClean="0"/>
-              <a:t>pp.component.spec.ts</a:t>
+              <a:rPr lang="en-US" dirty="0" smtClean="0"/>
+              <a:t>Create the model file as productModel.js </a:t>
             </a:r>
             <a:endParaRPr lang="en-US" dirty="0"/>
           </a:p>
         </p:txBody>
       </p:sp>
-      <p:pic>
-        <p:nvPicPr>
-          <p:cNvPr id="4" name="Content Placeholder 3"/>
-          <p:cNvPicPr>
-            <a:picLocks noGrp="1" noChangeAspect="1"/>
-          </p:cNvPicPr>
+      <p:sp>
+        <p:nvSpPr>
+          <p:cNvPr id="3" name="Content Placeholder 2"/>
+          <p:cNvSpPr>
+            <a:spLocks noGrp="1"/>
+          </p:cNvSpPr>
           <p:nvPr>
             <p:ph idx="1"/>
           </p:nvPr>
-        </p:nvPicPr>
-        <p:blipFill>
-          <a:blip r:embed="rId2"/>
-          <a:stretch>
-            <a:fillRect/>
-          </a:stretch>
-        </p:blipFill>
-        <p:spPr>
-          <a:xfrm>
-            <a:off x="2161070" y="1825625"/>
-            <a:ext cx="7869860" cy="4351338"/>
-          </a:xfrm>
-          <a:prstGeom prst="rect">
-            <a:avLst/>
-          </a:prstGeom>
-        </p:spPr>
-      </p:pic>
+        </p:nvSpPr>
+        <p:spPr/>
+        <p:txBody>
+          <a:bodyPr/>
+          <a:lstStyle/>
+          <a:p>
+            <a:r>
+              <a:rPr lang="en-US" dirty="0" smtClean="0"/>
+              <a:t>This file hold the schema details like collection name, number of fields required inside that collection with their data types. </a:t>
+            </a:r>
+          </a:p>
+          <a:p>
+            <a:r>
+              <a:rPr lang="en-US" dirty="0" smtClean="0"/>
+              <a:t>And this model need to export so in another file we can import it. </a:t>
+            </a:r>
+            <a:endParaRPr lang="en-US" dirty="0"/>
+          </a:p>
+        </p:txBody>
+      </p:sp>
     </p:spTree>
     <p:extLst>
       <p:ext uri="{BB962C8B-B14F-4D97-AF65-F5344CB8AC3E}">
-        <p14:creationId xmlns:p14="http://schemas.microsoft.com/office/powerpoint/2010/main" val="813623825"/>
+        <p14:creationId xmlns:p14="http://schemas.microsoft.com/office/powerpoint/2010/main" val="3339566839"/>
       </p:ext>
     </p:extLst>
   </p:cSld>
@@ -3871,537 +4556,7 @@
 </p:sld>
 </file>
 
-<file path=ppt/slides/slide2.xml><?xml version="1.0" encoding="utf-8"?>
-<p:sld xmlns:a="http://schemas.openxmlformats.org/drawingml/2006/main" xmlns:r="http://schemas.openxmlformats.org/officeDocument/2006/relationships" xmlns:p="http://schemas.openxmlformats.org/presentationml/2006/main">
-  <p:cSld>
-    <p:spTree>
-      <p:nvGrpSpPr>
-        <p:cNvPr id="1" name=""/>
-        <p:cNvGrpSpPr/>
-        <p:nvPr/>
-      </p:nvGrpSpPr>
-      <p:grpSpPr>
-        <a:xfrm>
-          <a:off x="0" y="0"/>
-          <a:ext cx="0" cy="0"/>
-          <a:chOff x="0" y="0"/>
-          <a:chExt cx="0" cy="0"/>
-        </a:xfrm>
-      </p:grpSpPr>
-      <p:sp>
-        <p:nvSpPr>
-          <p:cNvPr id="2" name="Title 1"/>
-          <p:cNvSpPr>
-            <a:spLocks noGrp="1"/>
-          </p:cNvSpPr>
-          <p:nvPr>
-            <p:ph type="title"/>
-          </p:nvPr>
-        </p:nvSpPr>
-        <p:spPr/>
-        <p:txBody>
-          <a:bodyPr/>
-          <a:lstStyle/>
-          <a:p>
-            <a:r>
-              <a:rPr lang="en-US" dirty="0" smtClean="0"/>
-              <a:t>Testing </a:t>
-            </a:r>
-            <a:endParaRPr lang="en-US" dirty="0"/>
-          </a:p>
-        </p:txBody>
-      </p:sp>
-      <p:sp>
-        <p:nvSpPr>
-          <p:cNvPr id="3" name="Content Placeholder 2"/>
-          <p:cNvSpPr>
-            <a:spLocks noGrp="1"/>
-          </p:cNvSpPr>
-          <p:nvPr>
-            <p:ph idx="1"/>
-          </p:nvPr>
-        </p:nvSpPr>
-        <p:spPr/>
-        <p:txBody>
-          <a:bodyPr/>
-          <a:lstStyle/>
-          <a:p>
-            <a:r>
-              <a:rPr lang="en-US" dirty="0" smtClean="0"/>
-              <a:t>Testing is use to find the defect or bugs or error in the application. </a:t>
-            </a:r>
-          </a:p>
-          <a:p>
-            <a:r>
-              <a:rPr lang="en-US" dirty="0"/>
-              <a:t>Tests are the best way to prevent software defects</a:t>
-            </a:r>
-            <a:r>
-              <a:rPr lang="en-US" dirty="0" smtClean="0"/>
-              <a:t>.</a:t>
-            </a:r>
-          </a:p>
-          <a:p>
-            <a:r>
-              <a:rPr lang="en-US" dirty="0" smtClean="0"/>
-              <a:t>There are two types of testing </a:t>
-            </a:r>
-          </a:p>
-          <a:p>
-            <a:pPr lvl="1"/>
-            <a:r>
-              <a:rPr lang="en-US" dirty="0" smtClean="0"/>
-              <a:t>Black box testing : </a:t>
-            </a:r>
-            <a:r>
-              <a:rPr lang="en-US" dirty="0"/>
-              <a:t>Black box testing </a:t>
-            </a:r>
-            <a:r>
-              <a:rPr lang="en-US" b="1" dirty="0"/>
-              <a:t>involves testing a system with no prior knowledge of its internal workings</a:t>
-            </a:r>
-            <a:r>
-              <a:rPr lang="en-US" dirty="0"/>
-              <a:t>.</a:t>
-            </a:r>
-            <a:endParaRPr lang="en-US" dirty="0" smtClean="0"/>
-          </a:p>
-          <a:p>
-            <a:pPr lvl="1"/>
-            <a:r>
-              <a:rPr lang="en-US" dirty="0" smtClean="0"/>
-              <a:t>White box testing : </a:t>
-            </a:r>
-            <a:r>
-              <a:rPr lang="en-US" dirty="0"/>
-              <a:t>White box testing techniques </a:t>
-            </a:r>
-            <a:r>
-              <a:rPr lang="en-US" b="1" dirty="0"/>
-              <a:t>analyze the internal structures the used data structures, internal design, code structure</a:t>
-            </a:r>
-            <a:endParaRPr lang="en-US" dirty="0"/>
-          </a:p>
-        </p:txBody>
-      </p:sp>
-    </p:spTree>
-    <p:extLst>
-      <p:ext uri="{BB962C8B-B14F-4D97-AF65-F5344CB8AC3E}">
-        <p14:creationId xmlns:p14="http://schemas.microsoft.com/office/powerpoint/2010/main" val="965558226"/>
-      </p:ext>
-    </p:extLst>
-  </p:cSld>
-  <p:clrMapOvr>
-    <a:masterClrMapping/>
-  </p:clrMapOvr>
-</p:sld>
-</file>
-
-<file path=ppt/slides/slide20.xml><?xml version="1.0" encoding="utf-8"?>
-<p:sld xmlns:a="http://schemas.openxmlformats.org/drawingml/2006/main" xmlns:r="http://schemas.openxmlformats.org/officeDocument/2006/relationships" xmlns:p="http://schemas.openxmlformats.org/presentationml/2006/main">
-  <p:cSld>
-    <p:spTree>
-      <p:nvGrpSpPr>
-        <p:cNvPr id="1" name=""/>
-        <p:cNvGrpSpPr/>
-        <p:nvPr/>
-      </p:nvGrpSpPr>
-      <p:grpSpPr>
-        <a:xfrm>
-          <a:off x="0" y="0"/>
-          <a:ext cx="0" cy="0"/>
-          <a:chOff x="0" y="0"/>
-          <a:chExt cx="0" cy="0"/>
-        </a:xfrm>
-      </p:grpSpPr>
-      <p:sp>
-        <p:nvSpPr>
-          <p:cNvPr id="2" name="Title 1"/>
-          <p:cNvSpPr>
-            <a:spLocks noGrp="1"/>
-          </p:cNvSpPr>
-          <p:nvPr>
-            <p:ph type="title"/>
-          </p:nvPr>
-        </p:nvSpPr>
-        <p:spPr/>
-        <p:txBody>
-          <a:bodyPr/>
-          <a:lstStyle/>
-          <a:p>
-            <a:r>
-              <a:rPr lang="en-US" dirty="0" err="1" smtClean="0"/>
-              <a:t>Home.component.spec.ts</a:t>
-            </a:r>
-            <a:endParaRPr lang="en-US" dirty="0"/>
-          </a:p>
-        </p:txBody>
-      </p:sp>
-      <p:pic>
-        <p:nvPicPr>
-          <p:cNvPr id="4" name="Content Placeholder 3"/>
-          <p:cNvPicPr>
-            <a:picLocks noGrp="1" noChangeAspect="1"/>
-          </p:cNvPicPr>
-          <p:nvPr>
-            <p:ph idx="1"/>
-          </p:nvPr>
-        </p:nvPicPr>
-        <p:blipFill>
-          <a:blip r:embed="rId2"/>
-          <a:stretch>
-            <a:fillRect/>
-          </a:stretch>
-        </p:blipFill>
-        <p:spPr>
-          <a:xfrm>
-            <a:off x="1915574" y="1825625"/>
-            <a:ext cx="8360851" cy="4351338"/>
-          </a:xfrm>
-          <a:prstGeom prst="rect">
-            <a:avLst/>
-          </a:prstGeom>
-        </p:spPr>
-      </p:pic>
-    </p:spTree>
-    <p:extLst>
-      <p:ext uri="{BB962C8B-B14F-4D97-AF65-F5344CB8AC3E}">
-        <p14:creationId xmlns:p14="http://schemas.microsoft.com/office/powerpoint/2010/main" val="3531282331"/>
-      </p:ext>
-    </p:extLst>
-  </p:cSld>
-  <p:clrMapOvr>
-    <a:masterClrMapping/>
-  </p:clrMapOvr>
-</p:sld>
-</file>
-
-<file path=ppt/slides/slide21.xml><?xml version="1.0" encoding="utf-8"?>
-<p:sld xmlns:a="http://schemas.openxmlformats.org/drawingml/2006/main" xmlns:r="http://schemas.openxmlformats.org/officeDocument/2006/relationships" xmlns:p="http://schemas.openxmlformats.org/presentationml/2006/main">
-  <p:cSld>
-    <p:spTree>
-      <p:nvGrpSpPr>
-        <p:cNvPr id="1" name=""/>
-        <p:cNvGrpSpPr/>
-        <p:nvPr/>
-      </p:nvGrpSpPr>
-      <p:grpSpPr>
-        <a:xfrm>
-          <a:off x="0" y="0"/>
-          <a:ext cx="0" cy="0"/>
-          <a:chOff x="0" y="0"/>
-          <a:chExt cx="0" cy="0"/>
-        </a:xfrm>
-      </p:grpSpPr>
-      <p:sp>
-        <p:nvSpPr>
-          <p:cNvPr id="2" name="Title 1"/>
-          <p:cNvSpPr>
-            <a:spLocks noGrp="1"/>
-          </p:cNvSpPr>
-          <p:nvPr>
-            <p:ph type="title"/>
-          </p:nvPr>
-        </p:nvSpPr>
-        <p:spPr/>
-        <p:txBody>
-          <a:bodyPr/>
-          <a:lstStyle/>
-          <a:p>
-            <a:r>
-              <a:rPr lang="en-US" dirty="0" smtClean="0"/>
-              <a:t>Customer-</a:t>
-            </a:r>
-            <a:r>
-              <a:rPr lang="en-US" dirty="0" err="1" smtClean="0"/>
-              <a:t>home.component.spec.ts</a:t>
-            </a:r>
-            <a:endParaRPr lang="en-US" dirty="0"/>
-          </a:p>
-        </p:txBody>
-      </p:sp>
-      <p:pic>
-        <p:nvPicPr>
-          <p:cNvPr id="4" name="Content Placeholder 3"/>
-          <p:cNvPicPr>
-            <a:picLocks noGrp="1" noChangeAspect="1"/>
-          </p:cNvPicPr>
-          <p:nvPr>
-            <p:ph idx="1"/>
-          </p:nvPr>
-        </p:nvPicPr>
-        <p:blipFill>
-          <a:blip r:embed="rId2"/>
-          <a:stretch>
-            <a:fillRect/>
-          </a:stretch>
-        </p:blipFill>
-        <p:spPr>
-          <a:xfrm>
-            <a:off x="1807030" y="1825625"/>
-            <a:ext cx="8577940" cy="4351338"/>
-          </a:xfrm>
-          <a:prstGeom prst="rect">
-            <a:avLst/>
-          </a:prstGeom>
-        </p:spPr>
-      </p:pic>
-    </p:spTree>
-    <p:extLst>
-      <p:ext uri="{BB962C8B-B14F-4D97-AF65-F5344CB8AC3E}">
-        <p14:creationId xmlns:p14="http://schemas.microsoft.com/office/powerpoint/2010/main" val="1099499755"/>
-      </p:ext>
-    </p:extLst>
-  </p:cSld>
-  <p:clrMapOvr>
-    <a:masterClrMapping/>
-  </p:clrMapOvr>
-</p:sld>
-</file>
-
-<file path=ppt/slides/slide22.xml><?xml version="1.0" encoding="utf-8"?>
-<p:sld xmlns:a="http://schemas.openxmlformats.org/drawingml/2006/main" xmlns:r="http://schemas.openxmlformats.org/officeDocument/2006/relationships" xmlns:p="http://schemas.openxmlformats.org/presentationml/2006/main">
-  <p:cSld>
-    <p:spTree>
-      <p:nvGrpSpPr>
-        <p:cNvPr id="1" name=""/>
-        <p:cNvGrpSpPr/>
-        <p:nvPr/>
-      </p:nvGrpSpPr>
-      <p:grpSpPr>
-        <a:xfrm>
-          <a:off x="0" y="0"/>
-          <a:ext cx="0" cy="0"/>
-          <a:chOff x="0" y="0"/>
-          <a:chExt cx="0" cy="0"/>
-        </a:xfrm>
-      </p:grpSpPr>
-      <p:sp>
-        <p:nvSpPr>
-          <p:cNvPr id="2" name="Title 1"/>
-          <p:cNvSpPr>
-            <a:spLocks noGrp="1"/>
-          </p:cNvSpPr>
-          <p:nvPr>
-            <p:ph type="title"/>
-          </p:nvPr>
-        </p:nvSpPr>
-        <p:spPr/>
-        <p:txBody>
-          <a:bodyPr/>
-          <a:lstStyle/>
-          <a:p>
-            <a:r>
-              <a:rPr lang="en-US" dirty="0" smtClean="0"/>
-              <a:t>Admin-</a:t>
-            </a:r>
-            <a:r>
-              <a:rPr lang="en-US" dirty="0" err="1" smtClean="0"/>
-              <a:t>home.component.spec.ts</a:t>
-            </a:r>
-            <a:endParaRPr lang="en-US" dirty="0"/>
-          </a:p>
-        </p:txBody>
-      </p:sp>
-      <p:pic>
-        <p:nvPicPr>
-          <p:cNvPr id="4" name="Content Placeholder 3"/>
-          <p:cNvPicPr>
-            <a:picLocks noGrp="1" noChangeAspect="1"/>
-          </p:cNvPicPr>
-          <p:nvPr>
-            <p:ph idx="1"/>
-          </p:nvPr>
-        </p:nvPicPr>
-        <p:blipFill>
-          <a:blip r:embed="rId2"/>
-          <a:stretch>
-            <a:fillRect/>
-          </a:stretch>
-        </p:blipFill>
-        <p:spPr>
-          <a:xfrm>
-            <a:off x="1890354" y="1825625"/>
-            <a:ext cx="8411291" cy="4351338"/>
-          </a:xfrm>
-          <a:prstGeom prst="rect">
-            <a:avLst/>
-          </a:prstGeom>
-        </p:spPr>
-      </p:pic>
-    </p:spTree>
-    <p:extLst>
-      <p:ext uri="{BB962C8B-B14F-4D97-AF65-F5344CB8AC3E}">
-        <p14:creationId xmlns:p14="http://schemas.microsoft.com/office/powerpoint/2010/main" val="2990441641"/>
-      </p:ext>
-    </p:extLst>
-  </p:cSld>
-  <p:clrMapOvr>
-    <a:masterClrMapping/>
-  </p:clrMapOvr>
-</p:sld>
-</file>
-
-<file path=ppt/slides/slide23.xml><?xml version="1.0" encoding="utf-8"?>
-<p:sld xmlns:a="http://schemas.openxmlformats.org/drawingml/2006/main" xmlns:r="http://schemas.openxmlformats.org/officeDocument/2006/relationships" xmlns:p="http://schemas.openxmlformats.org/presentationml/2006/main">
-  <p:cSld>
-    <p:spTree>
-      <p:nvGrpSpPr>
-        <p:cNvPr id="1" name=""/>
-        <p:cNvGrpSpPr/>
-        <p:nvPr/>
-      </p:nvGrpSpPr>
-      <p:grpSpPr>
-        <a:xfrm>
-          <a:off x="0" y="0"/>
-          <a:ext cx="0" cy="0"/>
-          <a:chOff x="0" y="0"/>
-          <a:chExt cx="0" cy="0"/>
-        </a:xfrm>
-      </p:grpSpPr>
-      <p:sp>
-        <p:nvSpPr>
-          <p:cNvPr id="2" name="Title 1"/>
-          <p:cNvSpPr>
-            <a:spLocks noGrp="1"/>
-          </p:cNvSpPr>
-          <p:nvPr>
-            <p:ph type="title"/>
-          </p:nvPr>
-        </p:nvSpPr>
-        <p:spPr/>
-        <p:txBody>
-          <a:bodyPr/>
-          <a:lstStyle/>
-          <a:p>
-            <a:r>
-              <a:rPr lang="en-US" dirty="0" err="1" smtClean="0"/>
-              <a:t>Customer.service.spec.ts</a:t>
-            </a:r>
-            <a:endParaRPr lang="en-US" dirty="0"/>
-          </a:p>
-        </p:txBody>
-      </p:sp>
-      <p:pic>
-        <p:nvPicPr>
-          <p:cNvPr id="4" name="Content Placeholder 3"/>
-          <p:cNvPicPr>
-            <a:picLocks noGrp="1" noChangeAspect="1"/>
-          </p:cNvPicPr>
-          <p:nvPr>
-            <p:ph idx="1"/>
-          </p:nvPr>
-        </p:nvPicPr>
-        <p:blipFill>
-          <a:blip r:embed="rId2"/>
-          <a:stretch>
-            <a:fillRect/>
-          </a:stretch>
-        </p:blipFill>
-        <p:spPr>
-          <a:xfrm>
-            <a:off x="1756538" y="1825625"/>
-            <a:ext cx="8678924" cy="4351338"/>
-          </a:xfrm>
-          <a:prstGeom prst="rect">
-            <a:avLst/>
-          </a:prstGeom>
-        </p:spPr>
-      </p:pic>
-    </p:spTree>
-    <p:extLst>
-      <p:ext uri="{BB962C8B-B14F-4D97-AF65-F5344CB8AC3E}">
-        <p14:creationId xmlns:p14="http://schemas.microsoft.com/office/powerpoint/2010/main" val="2704202823"/>
-      </p:ext>
-    </p:extLst>
-  </p:cSld>
-  <p:clrMapOvr>
-    <a:masterClrMapping/>
-  </p:clrMapOvr>
-</p:sld>
-</file>
-
-<file path=ppt/slides/slide24.xml><?xml version="1.0" encoding="utf-8"?>
-<p:sld xmlns:a="http://schemas.openxmlformats.org/drawingml/2006/main" xmlns:r="http://schemas.openxmlformats.org/officeDocument/2006/relationships" xmlns:p="http://schemas.openxmlformats.org/presentationml/2006/main">
-  <p:cSld>
-    <p:spTree>
-      <p:nvGrpSpPr>
-        <p:cNvPr id="1" name=""/>
-        <p:cNvGrpSpPr/>
-        <p:nvPr/>
-      </p:nvGrpSpPr>
-      <p:grpSpPr>
-        <a:xfrm>
-          <a:off x="0" y="0"/>
-          <a:ext cx="0" cy="0"/>
-          <a:chOff x="0" y="0"/>
-          <a:chExt cx="0" cy="0"/>
-        </a:xfrm>
-      </p:grpSpPr>
-      <p:sp>
-        <p:nvSpPr>
-          <p:cNvPr id="2" name="Title 1"/>
-          <p:cNvSpPr>
-            <a:spLocks noGrp="1"/>
-          </p:cNvSpPr>
-          <p:nvPr>
-            <p:ph type="title"/>
-          </p:nvPr>
-        </p:nvSpPr>
-        <p:spPr/>
-        <p:txBody>
-          <a:bodyPr/>
-          <a:lstStyle/>
-          <a:p>
-            <a:r>
-              <a:rPr lang="en-US" dirty="0" err="1" smtClean="0"/>
-              <a:t>Transaction.service.spec.ts</a:t>
-            </a:r>
-            <a:endParaRPr lang="en-US" dirty="0"/>
-          </a:p>
-        </p:txBody>
-      </p:sp>
-      <p:pic>
-        <p:nvPicPr>
-          <p:cNvPr id="4" name="Content Placeholder 3"/>
-          <p:cNvPicPr>
-            <a:picLocks noGrp="1" noChangeAspect="1"/>
-          </p:cNvPicPr>
-          <p:nvPr>
-            <p:ph idx="1"/>
-          </p:nvPr>
-        </p:nvPicPr>
-        <p:blipFill>
-          <a:blip r:embed="rId2"/>
-          <a:stretch>
-            <a:fillRect/>
-          </a:stretch>
-        </p:blipFill>
-        <p:spPr>
-          <a:xfrm>
-            <a:off x="1754331" y="1825625"/>
-            <a:ext cx="8683337" cy="4351338"/>
-          </a:xfrm>
-          <a:prstGeom prst="rect">
-            <a:avLst/>
-          </a:prstGeom>
-        </p:spPr>
-      </p:pic>
-    </p:spTree>
-    <p:extLst>
-      <p:ext uri="{BB962C8B-B14F-4D97-AF65-F5344CB8AC3E}">
-        <p14:creationId xmlns:p14="http://schemas.microsoft.com/office/powerpoint/2010/main" val="3571270620"/>
-      </p:ext>
-    </p:extLst>
-  </p:cSld>
-  <p:clrMapOvr>
-    <a:masterClrMapping/>
-  </p:clrMapOvr>
-</p:sld>
-</file>
-
-<file path=ppt/slides/slide25.xml><?xml version="1.0" encoding="utf-8"?>
+<file path=ppt/slides/slide6.xml><?xml version="1.0" encoding="utf-8"?>
 <p:sld xmlns:a="http://schemas.openxmlformats.org/drawingml/2006/main" xmlns:r="http://schemas.openxmlformats.org/officeDocument/2006/relationships" xmlns:p="http://schemas.openxmlformats.org/presentationml/2006/main">
   <p:cSld>
     <p:spTree>
@@ -4434,8 +4589,8 @@
         </p:blipFill>
         <p:spPr>
           <a:xfrm>
-            <a:off x="0" y="-443347"/>
-            <a:ext cx="12192000" cy="7253897"/>
+            <a:off x="1422400" y="452582"/>
+            <a:ext cx="8977746" cy="5643418"/>
           </a:xfrm>
           <a:prstGeom prst="rect">
             <a:avLst/>
@@ -4445,440 +4600,7 @@
     </p:spTree>
     <p:extLst>
       <p:ext uri="{BB962C8B-B14F-4D97-AF65-F5344CB8AC3E}">
-        <p14:creationId xmlns:p14="http://schemas.microsoft.com/office/powerpoint/2010/main" val="4080667158"/>
-      </p:ext>
-    </p:extLst>
-  </p:cSld>
-  <p:clrMapOvr>
-    <a:masterClrMapping/>
-  </p:clrMapOvr>
-</p:sld>
-</file>
-
-<file path=ppt/slides/slide3.xml><?xml version="1.0" encoding="utf-8"?>
-<p:sld xmlns:a="http://schemas.openxmlformats.org/drawingml/2006/main" xmlns:r="http://schemas.openxmlformats.org/officeDocument/2006/relationships" xmlns:p="http://schemas.openxmlformats.org/presentationml/2006/main">
-  <p:cSld>
-    <p:spTree>
-      <p:nvGrpSpPr>
-        <p:cNvPr id="1" name=""/>
-        <p:cNvGrpSpPr/>
-        <p:nvPr/>
-      </p:nvGrpSpPr>
-      <p:grpSpPr>
-        <a:xfrm>
-          <a:off x="0" y="0"/>
-          <a:ext cx="0" cy="0"/>
-          <a:chOff x="0" y="0"/>
-          <a:chExt cx="0" cy="0"/>
-        </a:xfrm>
-      </p:grpSpPr>
-      <p:sp>
-        <p:nvSpPr>
-          <p:cNvPr id="2" name="Title 1"/>
-          <p:cNvSpPr>
-            <a:spLocks noGrp="1"/>
-          </p:cNvSpPr>
-          <p:nvPr>
-            <p:ph type="title"/>
-          </p:nvPr>
-        </p:nvSpPr>
-        <p:spPr/>
-        <p:txBody>
-          <a:bodyPr/>
-          <a:lstStyle/>
-          <a:p>
-            <a:r>
-              <a:rPr lang="en-US" dirty="0" smtClean="0"/>
-              <a:t>Unit testing </a:t>
-            </a:r>
-            <a:endParaRPr lang="en-US" dirty="0"/>
-          </a:p>
-        </p:txBody>
-      </p:sp>
-      <p:sp>
-        <p:nvSpPr>
-          <p:cNvPr id="3" name="Content Placeholder 2"/>
-          <p:cNvSpPr>
-            <a:spLocks noGrp="1"/>
-          </p:cNvSpPr>
-          <p:nvPr>
-            <p:ph idx="1"/>
-          </p:nvPr>
-        </p:nvSpPr>
-        <p:spPr/>
-        <p:txBody>
-          <a:bodyPr/>
-          <a:lstStyle/>
-          <a:p>
-            <a:r>
-              <a:rPr lang="en-US" dirty="0"/>
-              <a:t>Unit testing is </a:t>
-            </a:r>
-            <a:r>
-              <a:rPr lang="en-US" b="1" dirty="0"/>
-              <a:t>a software development process in which the smallest testable parts of an application, called </a:t>
-            </a:r>
-            <a:r>
-              <a:rPr lang="en-US" b="1" dirty="0" smtClean="0"/>
-              <a:t>units</a:t>
-            </a:r>
-          </a:p>
-          <a:p>
-            <a:r>
-              <a:rPr lang="en-US" b="1" dirty="0"/>
-              <a:t>Unit Testing</a:t>
-            </a:r>
-            <a:r>
-              <a:rPr lang="en-US" dirty="0"/>
-              <a:t> is a type of software testing where individual units or components of a software are tested.</a:t>
-            </a:r>
-          </a:p>
-        </p:txBody>
-      </p:sp>
-    </p:spTree>
-    <p:extLst>
-      <p:ext uri="{BB962C8B-B14F-4D97-AF65-F5344CB8AC3E}">
-        <p14:creationId xmlns:p14="http://schemas.microsoft.com/office/powerpoint/2010/main" val="4216789358"/>
-      </p:ext>
-    </p:extLst>
-  </p:cSld>
-  <p:clrMapOvr>
-    <a:masterClrMapping/>
-  </p:clrMapOvr>
-</p:sld>
-</file>
-
-<file path=ppt/slides/slide4.xml><?xml version="1.0" encoding="utf-8"?>
-<p:sld xmlns:a="http://schemas.openxmlformats.org/drawingml/2006/main" xmlns:r="http://schemas.openxmlformats.org/officeDocument/2006/relationships" xmlns:p="http://schemas.openxmlformats.org/presentationml/2006/main">
-  <p:cSld>
-    <p:spTree>
-      <p:nvGrpSpPr>
-        <p:cNvPr id="1" name=""/>
-        <p:cNvGrpSpPr/>
-        <p:nvPr/>
-      </p:nvGrpSpPr>
-      <p:grpSpPr>
-        <a:xfrm>
-          <a:off x="0" y="0"/>
-          <a:ext cx="0" cy="0"/>
-          <a:chOff x="0" y="0"/>
-          <a:chExt cx="0" cy="0"/>
-        </a:xfrm>
-      </p:grpSpPr>
-      <p:sp>
-        <p:nvSpPr>
-          <p:cNvPr id="2" name="Title 1"/>
-          <p:cNvSpPr>
-            <a:spLocks noGrp="1"/>
-          </p:cNvSpPr>
-          <p:nvPr>
-            <p:ph type="title"/>
-          </p:nvPr>
-        </p:nvSpPr>
-        <p:spPr/>
-        <p:txBody>
-          <a:bodyPr/>
-          <a:lstStyle/>
-          <a:p>
-            <a:r>
-              <a:rPr lang="en-US" dirty="0" smtClean="0"/>
-              <a:t>Jasmine </a:t>
-            </a:r>
-            <a:endParaRPr lang="en-US" dirty="0"/>
-          </a:p>
-        </p:txBody>
-      </p:sp>
-      <p:sp>
-        <p:nvSpPr>
-          <p:cNvPr id="3" name="Content Placeholder 2"/>
-          <p:cNvSpPr>
-            <a:spLocks noGrp="1"/>
-          </p:cNvSpPr>
-          <p:nvPr>
-            <p:ph idx="1"/>
-          </p:nvPr>
-        </p:nvSpPr>
-        <p:spPr/>
-        <p:txBody>
-          <a:bodyPr/>
-          <a:lstStyle/>
-          <a:p>
-            <a:r>
-              <a:rPr lang="en-US" dirty="0"/>
-              <a:t>Jasmine is </a:t>
-            </a:r>
-            <a:r>
-              <a:rPr lang="en-US" b="1" dirty="0"/>
-              <a:t>an open-source and most popular JavaScript library testing framework to test any kind of JavaScript application</a:t>
-            </a:r>
-            <a:r>
-              <a:rPr lang="en-US" dirty="0" smtClean="0"/>
-              <a:t>.</a:t>
-            </a:r>
-          </a:p>
-          <a:p>
-            <a:r>
-              <a:rPr lang="en-US" b="1" dirty="0"/>
-              <a:t>Jasmine</a:t>
-            </a:r>
-            <a:r>
-              <a:rPr lang="en-US" dirty="0"/>
-              <a:t> is a behavior-driven development framework for </a:t>
-            </a:r>
-            <a:r>
-              <a:rPr lang="en-US" b="1" dirty="0"/>
-              <a:t>testing</a:t>
-            </a:r>
-            <a:r>
-              <a:rPr lang="en-US" dirty="0"/>
-              <a:t> JavaScript </a:t>
-            </a:r>
-            <a:r>
-              <a:rPr lang="en-US" dirty="0" smtClean="0"/>
-              <a:t>code</a:t>
-            </a:r>
-          </a:p>
-          <a:p>
-            <a:r>
-              <a:rPr lang="en-US" dirty="0" smtClean="0"/>
-              <a:t>Jasmine provided test suite, test case and assertion to test plain JavaScript code or JavaScript library or framework. </a:t>
-            </a:r>
-          </a:p>
-        </p:txBody>
-      </p:sp>
-    </p:spTree>
-    <p:extLst>
-      <p:ext uri="{BB962C8B-B14F-4D97-AF65-F5344CB8AC3E}">
-        <p14:creationId xmlns:p14="http://schemas.microsoft.com/office/powerpoint/2010/main" val="215044487"/>
-      </p:ext>
-    </p:extLst>
-  </p:cSld>
-  <p:clrMapOvr>
-    <a:masterClrMapping/>
-  </p:clrMapOvr>
-</p:sld>
-</file>
-
-<file path=ppt/slides/slide5.xml><?xml version="1.0" encoding="utf-8"?>
-<p:sld xmlns:a="http://schemas.openxmlformats.org/drawingml/2006/main" xmlns:r="http://schemas.openxmlformats.org/officeDocument/2006/relationships" xmlns:p="http://schemas.openxmlformats.org/presentationml/2006/main">
-  <p:cSld>
-    <p:spTree>
-      <p:nvGrpSpPr>
-        <p:cNvPr id="1" name=""/>
-        <p:cNvGrpSpPr/>
-        <p:nvPr/>
-      </p:nvGrpSpPr>
-      <p:grpSpPr>
-        <a:xfrm>
-          <a:off x="0" y="0"/>
-          <a:ext cx="0" cy="0"/>
-          <a:chOff x="0" y="0"/>
-          <a:chExt cx="0" cy="0"/>
-        </a:xfrm>
-      </p:grpSpPr>
-      <p:sp>
-        <p:nvSpPr>
-          <p:cNvPr id="2" name="Title 1"/>
-          <p:cNvSpPr>
-            <a:spLocks noGrp="1"/>
-          </p:cNvSpPr>
-          <p:nvPr>
-            <p:ph type="title"/>
-          </p:nvPr>
-        </p:nvSpPr>
-        <p:spPr/>
-        <p:txBody>
-          <a:bodyPr/>
-          <a:lstStyle/>
-          <a:p>
-            <a:r>
-              <a:rPr lang="en-US" dirty="0" smtClean="0"/>
-              <a:t>Karma </a:t>
-            </a:r>
-            <a:endParaRPr lang="en-US" dirty="0"/>
-          </a:p>
-        </p:txBody>
-      </p:sp>
-      <p:sp>
-        <p:nvSpPr>
-          <p:cNvPr id="3" name="Content Placeholder 2"/>
-          <p:cNvSpPr>
-            <a:spLocks noGrp="1"/>
-          </p:cNvSpPr>
-          <p:nvPr>
-            <p:ph idx="1"/>
-          </p:nvPr>
-        </p:nvSpPr>
-        <p:spPr/>
-        <p:txBody>
-          <a:bodyPr/>
-          <a:lstStyle/>
-          <a:p>
-            <a:r>
-              <a:rPr lang="en-US" dirty="0" smtClean="0"/>
-              <a:t>Karma is test runner for testing framework. </a:t>
-            </a:r>
-          </a:p>
-          <a:p>
-            <a:r>
-              <a:rPr lang="en-US" dirty="0"/>
-              <a:t>Karma is essentially </a:t>
-            </a:r>
-            <a:r>
-              <a:rPr lang="en-US" b="1" dirty="0"/>
-              <a:t>a tool which spawns a web server that executes source code against test code for each of the browsers connected</a:t>
-            </a:r>
-            <a:r>
-              <a:rPr lang="en-US" dirty="0" smtClean="0"/>
-              <a:t>.</a:t>
-            </a:r>
-          </a:p>
-          <a:p>
-            <a:r>
-              <a:rPr lang="en-US" dirty="0"/>
-              <a:t>he results of each test against each browser are examined and displayed via the command line to the developer such that they can see which browsers and tests passed or failed</a:t>
-            </a:r>
-            <a:r>
-              <a:rPr lang="en-US" dirty="0" smtClean="0"/>
-              <a:t>.</a:t>
-            </a:r>
-          </a:p>
-          <a:p>
-            <a:endParaRPr lang="en-US" dirty="0"/>
-          </a:p>
-        </p:txBody>
-      </p:sp>
-    </p:spTree>
-    <p:extLst>
-      <p:ext uri="{BB962C8B-B14F-4D97-AF65-F5344CB8AC3E}">
-        <p14:creationId xmlns:p14="http://schemas.microsoft.com/office/powerpoint/2010/main" val="2502013587"/>
-      </p:ext>
-    </p:extLst>
-  </p:cSld>
-  <p:clrMapOvr>
-    <a:masterClrMapping/>
-  </p:clrMapOvr>
-</p:sld>
-</file>
-
-<file path=ppt/slides/slide6.xml><?xml version="1.0" encoding="utf-8"?>
-<p:sld xmlns:a="http://schemas.openxmlformats.org/drawingml/2006/main" xmlns:r="http://schemas.openxmlformats.org/officeDocument/2006/relationships" xmlns:p="http://schemas.openxmlformats.org/presentationml/2006/main">
-  <p:cSld>
-    <p:spTree>
-      <p:nvGrpSpPr>
-        <p:cNvPr id="1" name=""/>
-        <p:cNvGrpSpPr/>
-        <p:nvPr/>
-      </p:nvGrpSpPr>
-      <p:grpSpPr>
-        <a:xfrm>
-          <a:off x="0" y="0"/>
-          <a:ext cx="0" cy="0"/>
-          <a:chOff x="0" y="0"/>
-          <a:chExt cx="0" cy="0"/>
-        </a:xfrm>
-      </p:grpSpPr>
-      <p:sp>
-        <p:nvSpPr>
-          <p:cNvPr id="2" name="Title 1"/>
-          <p:cNvSpPr>
-            <a:spLocks noGrp="1"/>
-          </p:cNvSpPr>
-          <p:nvPr>
-            <p:ph type="title"/>
-          </p:nvPr>
-        </p:nvSpPr>
-        <p:spPr/>
-        <p:txBody>
-          <a:bodyPr/>
-          <a:lstStyle/>
-          <a:p>
-            <a:r>
-              <a:rPr lang="en-US" dirty="0" smtClean="0"/>
-              <a:t>Testing plain JavaScript function </a:t>
-            </a:r>
-            <a:endParaRPr lang="en-US" dirty="0"/>
-          </a:p>
-        </p:txBody>
-      </p:sp>
-      <p:sp>
-        <p:nvSpPr>
-          <p:cNvPr id="3" name="Content Placeholder 2"/>
-          <p:cNvSpPr>
-            <a:spLocks noGrp="1"/>
-          </p:cNvSpPr>
-          <p:nvPr>
-            <p:ph idx="1"/>
-          </p:nvPr>
-        </p:nvSpPr>
-        <p:spPr/>
-        <p:txBody>
-          <a:bodyPr/>
-          <a:lstStyle/>
-          <a:p>
-            <a:r>
-              <a:rPr lang="en-US" dirty="0" smtClean="0"/>
-              <a:t>First we need to download jasmine configuration details. </a:t>
-            </a:r>
-          </a:p>
-          <a:p>
-            <a:r>
-              <a:rPr lang="en-US" dirty="0" smtClean="0"/>
-              <a:t>Jasmine official website provide sample jasmine configuration details which we can download from the below </a:t>
-            </a:r>
-            <a:r>
-              <a:rPr lang="en-US" dirty="0" err="1" smtClean="0"/>
-              <a:t>git</a:t>
-            </a:r>
-            <a:r>
-              <a:rPr lang="en-US" dirty="0" smtClean="0"/>
-              <a:t>. </a:t>
-            </a:r>
-          </a:p>
-          <a:p>
-            <a:r>
-              <a:rPr lang="en-US" dirty="0">
-                <a:hlinkClick r:id="rId2"/>
-              </a:rPr>
-              <a:t>https://</a:t>
-            </a:r>
-            <a:r>
-              <a:rPr lang="en-US" dirty="0" smtClean="0">
-                <a:hlinkClick r:id="rId2"/>
-              </a:rPr>
-              <a:t>github.com/jasmine/jasmine/releases</a:t>
-            </a:r>
-            <a:endParaRPr lang="en-US" dirty="0" smtClean="0"/>
-          </a:p>
-          <a:p>
-            <a:r>
-              <a:rPr lang="en-US" dirty="0" smtClean="0"/>
-              <a:t>Open downloaded sample project from </a:t>
-            </a:r>
-            <a:r>
-              <a:rPr lang="en-US" dirty="0" err="1" smtClean="0"/>
-              <a:t>git</a:t>
-            </a:r>
-            <a:r>
-              <a:rPr lang="en-US" dirty="0" smtClean="0"/>
-              <a:t>. </a:t>
-            </a:r>
-          </a:p>
-          <a:p>
-            <a:r>
-              <a:rPr lang="en-US" dirty="0" smtClean="0"/>
-              <a:t>Extract this project and write simple JavaScript function to test the code using jasmine. </a:t>
-            </a:r>
-          </a:p>
-          <a:p>
-            <a:endParaRPr lang="en-US" dirty="0"/>
-          </a:p>
-        </p:txBody>
-      </p:sp>
-    </p:spTree>
-    <p:extLst>
-      <p:ext uri="{BB962C8B-B14F-4D97-AF65-F5344CB8AC3E}">
-        <p14:creationId xmlns:p14="http://schemas.microsoft.com/office/powerpoint/2010/main" val="3647326601"/>
+        <p14:creationId xmlns:p14="http://schemas.microsoft.com/office/powerpoint/2010/main" val="4037488157"/>
       </p:ext>
     </p:extLst>
   </p:cSld>
@@ -4922,42 +4644,71 @@
           <a:p>
             <a:r>
               <a:rPr lang="en-US" dirty="0" smtClean="0"/>
-              <a:t>Jasmine sample project structure </a:t>
+              <a:t>Now we need to create controller file </a:t>
             </a:r>
             <a:endParaRPr lang="en-US" dirty="0"/>
           </a:p>
         </p:txBody>
       </p:sp>
-      <p:pic>
-        <p:nvPicPr>
-          <p:cNvPr id="4" name="Content Placeholder 3"/>
-          <p:cNvPicPr>
-            <a:picLocks noGrp="1" noChangeAspect="1"/>
-          </p:cNvPicPr>
+      <p:sp>
+        <p:nvSpPr>
+          <p:cNvPr id="3" name="Content Placeholder 2"/>
+          <p:cNvSpPr>
+            <a:spLocks noGrp="1"/>
+          </p:cNvSpPr>
           <p:nvPr>
             <p:ph idx="1"/>
           </p:nvPr>
-        </p:nvPicPr>
-        <p:blipFill>
-          <a:blip r:embed="rId2"/>
-          <a:stretch>
-            <a:fillRect/>
-          </a:stretch>
-        </p:blipFill>
-        <p:spPr>
-          <a:xfrm>
-            <a:off x="4222507" y="1825625"/>
-            <a:ext cx="3746985" cy="4351338"/>
-          </a:xfrm>
-          <a:prstGeom prst="rect">
-            <a:avLst/>
-          </a:prstGeom>
-        </p:spPr>
-      </p:pic>
+        </p:nvSpPr>
+        <p:spPr/>
+        <p:txBody>
+          <a:bodyPr/>
+          <a:lstStyle/>
+          <a:p>
+            <a:r>
+              <a:rPr lang="en-US" dirty="0" smtClean="0"/>
+              <a:t>This file contains more than one methods and which takes request and response as a parameter  and it will import the model and base upon the client request it will do the operation on model which link with mongo </a:t>
+            </a:r>
+            <a:r>
+              <a:rPr lang="en-US" dirty="0" err="1" smtClean="0"/>
+              <a:t>db</a:t>
+            </a:r>
+            <a:r>
+              <a:rPr lang="en-US" dirty="0" smtClean="0"/>
+              <a:t> collection. Like </a:t>
+            </a:r>
+          </a:p>
+          <a:p>
+            <a:r>
+              <a:rPr lang="en-US" dirty="0" smtClean="0"/>
+              <a:t>Get : to get all product details or get specific product details base upon the any field. </a:t>
+            </a:r>
+          </a:p>
+          <a:p>
+            <a:r>
+              <a:rPr lang="en-US" dirty="0" smtClean="0"/>
+              <a:t>Post : to store product information </a:t>
+            </a:r>
+          </a:p>
+          <a:p>
+            <a:r>
+              <a:rPr lang="en-US" dirty="0" smtClean="0"/>
+              <a:t>Put : to update the product price using product id. </a:t>
+            </a:r>
+            <a:endParaRPr lang="en-US" dirty="0"/>
+          </a:p>
+          <a:p>
+            <a:r>
+              <a:rPr lang="en-US" dirty="0" smtClean="0"/>
+              <a:t>Delete : to delete the product details using product id </a:t>
+            </a:r>
+          </a:p>
+        </p:txBody>
+      </p:sp>
     </p:spTree>
     <p:extLst>
       <p:ext uri="{BB962C8B-B14F-4D97-AF65-F5344CB8AC3E}">
-        <p14:creationId xmlns:p14="http://schemas.microsoft.com/office/powerpoint/2010/main" val="1835323793"/>
+        <p14:creationId xmlns:p14="http://schemas.microsoft.com/office/powerpoint/2010/main" val="3993962594"/>
       </p:ext>
     </p:extLst>
   </p:cSld>
@@ -4984,46 +4735,13 @@
           <a:chExt cx="0" cy="0"/>
         </a:xfrm>
       </p:grpSpPr>
-      <p:sp>
-        <p:nvSpPr>
-          <p:cNvPr id="2" name="Title 1"/>
-          <p:cNvSpPr>
-            <a:spLocks noGrp="1"/>
-          </p:cNvSpPr>
-          <p:nvPr>
-            <p:ph type="title"/>
-          </p:nvPr>
-        </p:nvSpPr>
-        <p:spPr/>
-        <p:txBody>
-          <a:bodyPr/>
-          <a:lstStyle/>
-          <a:p>
-            <a:r>
-              <a:rPr lang="en-US" dirty="0" smtClean="0"/>
-              <a:t>Now create sample </a:t>
-            </a:r>
-            <a:r>
-              <a:rPr lang="en-US" dirty="0" err="1" smtClean="0"/>
-              <a:t>js</a:t>
-            </a:r>
-            <a:r>
-              <a:rPr lang="en-US" dirty="0" smtClean="0"/>
-              <a:t> file with simple function </a:t>
-            </a:r>
-            <a:endParaRPr lang="en-US" dirty="0"/>
-          </a:p>
-        </p:txBody>
-      </p:sp>
       <p:pic>
         <p:nvPicPr>
-          <p:cNvPr id="6" name="Content Placeholder 5"/>
+          <p:cNvPr id="2" name="Picture 1"/>
           <p:cNvPicPr>
-            <a:picLocks noGrp="1" noChangeAspect="1"/>
+            <a:picLocks noChangeAspect="1"/>
           </p:cNvPicPr>
-          <p:nvPr>
-            <p:ph idx="1"/>
-          </p:nvPr>
+          <p:nvPr/>
         </p:nvPicPr>
         <p:blipFill>
           <a:blip r:embed="rId2"/>
@@ -5033,8 +4751,8 @@
         </p:blipFill>
         <p:spPr>
           <a:xfrm>
-            <a:off x="3182550" y="1825625"/>
-            <a:ext cx="5826899" cy="4351338"/>
+            <a:off x="1847482" y="754148"/>
+            <a:ext cx="8497036" cy="5349704"/>
           </a:xfrm>
           <a:prstGeom prst="rect">
             <a:avLst/>
@@ -5044,7 +4762,7 @@
     </p:spTree>
     <p:extLst>
       <p:ext uri="{BB962C8B-B14F-4D97-AF65-F5344CB8AC3E}">
-        <p14:creationId xmlns:p14="http://schemas.microsoft.com/office/powerpoint/2010/main" val="733112128"/>
+        <p14:creationId xmlns:p14="http://schemas.microsoft.com/office/powerpoint/2010/main" val="89044873"/>
       </p:ext>
     </p:extLst>
   </p:cSld>
@@ -5071,38 +4789,13 @@
           <a:chExt cx="0" cy="0"/>
         </a:xfrm>
       </p:grpSpPr>
-      <p:sp>
-        <p:nvSpPr>
-          <p:cNvPr id="2" name="Title 1"/>
-          <p:cNvSpPr>
-            <a:spLocks noGrp="1"/>
-          </p:cNvSpPr>
-          <p:nvPr>
-            <p:ph type="title"/>
-          </p:nvPr>
-        </p:nvSpPr>
-        <p:spPr/>
-        <p:txBody>
-          <a:bodyPr/>
-          <a:lstStyle/>
-          <a:p>
-            <a:r>
-              <a:rPr lang="en-US" dirty="0" smtClean="0"/>
-              <a:t>Sample test case </a:t>
-            </a:r>
-            <a:endParaRPr lang="en-US" dirty="0"/>
-          </a:p>
-        </p:txBody>
-      </p:sp>
       <p:pic>
         <p:nvPicPr>
-          <p:cNvPr id="4" name="Content Placeholder 3"/>
+          <p:cNvPr id="2" name="Picture 1"/>
           <p:cNvPicPr>
-            <a:picLocks noGrp="1" noChangeAspect="1"/>
+            <a:picLocks noChangeAspect="1"/>
           </p:cNvPicPr>
-          <p:nvPr>
-            <p:ph idx="1"/>
-          </p:nvPr>
+          <p:nvPr/>
         </p:nvPicPr>
         <p:blipFill>
           <a:blip r:embed="rId2"/>
@@ -5112,8 +4805,8 @@
         </p:blipFill>
         <p:spPr>
           <a:xfrm>
-            <a:off x="2336774" y="1825625"/>
-            <a:ext cx="7518451" cy="4351338"/>
+            <a:off x="1195915" y="921802"/>
+            <a:ext cx="9800169" cy="5014395"/>
           </a:xfrm>
           <a:prstGeom prst="rect">
             <a:avLst/>
@@ -5123,7 +4816,7 @@
     </p:spTree>
     <p:extLst>
       <p:ext uri="{BB962C8B-B14F-4D97-AF65-F5344CB8AC3E}">
-        <p14:creationId xmlns:p14="http://schemas.microsoft.com/office/powerpoint/2010/main" val="2083326486"/>
+        <p14:creationId xmlns:p14="http://schemas.microsoft.com/office/powerpoint/2010/main" val="1404663700"/>
       </p:ext>
     </p:extLst>
   </p:cSld>
